--- a/Introduction to Machine Learning.pptx
+++ b/Introduction to Machine Learning.pptx
@@ -28,10 +28,10 @@
     <p:sldId id="440" r:id="rId19"/>
     <p:sldId id="430" r:id="rId20"/>
     <p:sldId id="429" r:id="rId21"/>
-    <p:sldId id="427" r:id="rId22"/>
-    <p:sldId id="435" r:id="rId23"/>
-    <p:sldId id="441" r:id="rId24"/>
-    <p:sldId id="443" r:id="rId25"/>
+    <p:sldId id="435" r:id="rId22"/>
+    <p:sldId id="441" r:id="rId23"/>
+    <p:sldId id="443" r:id="rId24"/>
+    <p:sldId id="427" r:id="rId25"/>
     <p:sldId id="428" r:id="rId26"/>
     <p:sldId id="433" r:id="rId27"/>
   </p:sldIdLst>
@@ -10733,133 +10733,6 @@
 <file path=ppt/slides/slide21.xml><?xml version="1.0" encoding="utf-8"?>
 <p:sld xmlns:a="http://schemas.openxmlformats.org/drawingml/2006/main" xmlns:r="http://schemas.openxmlformats.org/officeDocument/2006/relationships" xmlns:p="http://schemas.openxmlformats.org/presentationml/2006/main">
   <p:cSld>
-    <p:spTree>
-      <p:nvGrpSpPr>
-        <p:cNvPr id="1" name=""/>
-        <p:cNvGrpSpPr/>
-        <p:nvPr/>
-      </p:nvGrpSpPr>
-      <p:grpSpPr>
-        <a:xfrm>
-          <a:off x="0" y="0"/>
-          <a:ext cx="0" cy="0"/>
-          <a:chOff x="0" y="0"/>
-          <a:chExt cx="0" cy="0"/>
-        </a:xfrm>
-      </p:grpSpPr>
-      <p:sp>
-        <p:nvSpPr>
-          <p:cNvPr id="8" name="Title 1">
-            <a:extLst>
-              <a:ext uri="{FF2B5EF4-FFF2-40B4-BE49-F238E27FC236}">
-                <a16:creationId xmlns:a16="http://schemas.microsoft.com/office/drawing/2014/main" id="{C0E10118-DDAE-489E-9C51-C7A823181912}"/>
-              </a:ext>
-            </a:extLst>
-          </p:cNvPr>
-          <p:cNvSpPr>
-            <a:spLocks noGrp="1"/>
-          </p:cNvSpPr>
-          <p:nvPr>
-            <p:ph type="title"/>
-          </p:nvPr>
-        </p:nvSpPr>
-        <p:spPr>
-          <a:xfrm>
-            <a:off x="648928" y="629266"/>
-            <a:ext cx="9154134" cy="1622321"/>
-          </a:xfrm>
-        </p:spPr>
-        <p:txBody>
-          <a:bodyPr vert="horz" lIns="91440" tIns="45720" rIns="91440" bIns="45720" rtlCol="0" anchor="ctr">
-            <a:normAutofit/>
-          </a:bodyPr>
-          <a:lstStyle/>
-          <a:p>
-            <a:r>
-              <a:rPr lang="en-US" altLang="zh-CN" sz="4000" b="1" kern="1200" dirty="0">
-                <a:solidFill>
-                  <a:schemeClr val="tx1"/>
-                </a:solidFill>
-                <a:latin typeface="+mj-lt"/>
-                <a:ea typeface="+mj-ea"/>
-                <a:cs typeface="+mj-cs"/>
-              </a:rPr>
-              <a:t>Metrices for Model Evaluation (Regression)</a:t>
-            </a:r>
-            <a:endParaRPr lang="en-US" sz="4000" b="1" kern="1200" dirty="0">
-              <a:solidFill>
-                <a:schemeClr val="tx1"/>
-              </a:solidFill>
-              <a:latin typeface="+mj-lt"/>
-              <a:ea typeface="+mj-ea"/>
-              <a:cs typeface="+mj-cs"/>
-            </a:endParaRPr>
-          </a:p>
-        </p:txBody>
-      </p:sp>
-      <p:pic>
-        <p:nvPicPr>
-          <p:cNvPr id="2050" name="Picture 2" descr="The Professionals Point: Loss Functions in Machine Learning (MAE ...">
-            <a:extLst>
-              <a:ext uri="{FF2B5EF4-FFF2-40B4-BE49-F238E27FC236}">
-                <a16:creationId xmlns:a16="http://schemas.microsoft.com/office/drawing/2014/main" id="{9C4DFA59-5B4C-4003-B40E-43D2920E0688}"/>
-              </a:ext>
-            </a:extLst>
-          </p:cNvPr>
-          <p:cNvPicPr>
-            <a:picLocks noChangeAspect="1" noChangeArrowheads="1"/>
-          </p:cNvPicPr>
-          <p:nvPr/>
-        </p:nvPicPr>
-        <p:blipFill>
-          <a:blip r:embed="rId3">
-            <a:extLst>
-              <a:ext uri="{28A0092B-C50C-407E-A947-70E740481C1C}">
-                <a14:useLocalDpi xmlns:a14="http://schemas.microsoft.com/office/drawing/2010/main" val="0"/>
-              </a:ext>
-            </a:extLst>
-          </a:blip>
-          <a:srcRect/>
-          <a:stretch>
-            <a:fillRect/>
-          </a:stretch>
-        </p:blipFill>
-        <p:spPr bwMode="auto">
-          <a:xfrm>
-            <a:off x="1518933" y="1845425"/>
-            <a:ext cx="9154134" cy="4020639"/>
-          </a:xfrm>
-          <a:prstGeom prst="rect">
-            <a:avLst/>
-          </a:prstGeom>
-          <a:noFill/>
-          <a:extLst>
-            <a:ext uri="{909E8E84-426E-40DD-AFC4-6F175D3DCCD1}">
-              <a14:hiddenFill xmlns:a14="http://schemas.microsoft.com/office/drawing/2010/main">
-                <a:solidFill>
-                  <a:srgbClr val="FFFFFF"/>
-                </a:solidFill>
-              </a14:hiddenFill>
-            </a:ext>
-          </a:extLst>
-        </p:spPr>
-      </p:pic>
-    </p:spTree>
-    <p:extLst>
-      <p:ext uri="{BB962C8B-B14F-4D97-AF65-F5344CB8AC3E}">
-        <p14:creationId xmlns:p14="http://schemas.microsoft.com/office/powerpoint/2010/main" val="777828533"/>
-      </p:ext>
-    </p:extLst>
-  </p:cSld>
-  <p:clrMapOvr>
-    <a:masterClrMapping/>
-  </p:clrMapOvr>
-</p:sld>
-</file>
-
-<file path=ppt/slides/slide22.xml><?xml version="1.0" encoding="utf-8"?>
-<p:sld xmlns:a="http://schemas.openxmlformats.org/drawingml/2006/main" xmlns:r="http://schemas.openxmlformats.org/officeDocument/2006/relationships" xmlns:p="http://schemas.openxmlformats.org/presentationml/2006/main">
-  <p:cSld>
     <p:bg>
       <p:bgPr>
         <a:solidFill>
@@ -11225,7 +11098,7 @@
 </p:sld>
 </file>
 
-<file path=ppt/slides/slide23.xml><?xml version="1.0" encoding="utf-8"?>
+<file path=ppt/slides/slide22.xml><?xml version="1.0" encoding="utf-8"?>
 <p:sld xmlns:a="http://schemas.openxmlformats.org/drawingml/2006/main" xmlns:r="http://schemas.openxmlformats.org/officeDocument/2006/relationships" xmlns:p="http://schemas.openxmlformats.org/presentationml/2006/main">
   <p:cSld>
     <p:bg>
@@ -11627,7 +11500,7 @@
 </p:sld>
 </file>
 
-<file path=ppt/slides/slide24.xml><?xml version="1.0" encoding="utf-8"?>
+<file path=ppt/slides/slide23.xml><?xml version="1.0" encoding="utf-8"?>
 <p:sld xmlns:a="http://schemas.openxmlformats.org/drawingml/2006/main" xmlns:r="http://schemas.openxmlformats.org/officeDocument/2006/relationships" xmlns:p="http://schemas.openxmlformats.org/presentationml/2006/main">
   <p:cSld>
     <p:spTree>
@@ -11832,6 +11705,133 @@
     <p:extLst>
       <p:ext uri="{BB962C8B-B14F-4D97-AF65-F5344CB8AC3E}">
         <p14:creationId xmlns:p14="http://schemas.microsoft.com/office/powerpoint/2010/main" val="1152349816"/>
+      </p:ext>
+    </p:extLst>
+  </p:cSld>
+  <p:clrMapOvr>
+    <a:masterClrMapping/>
+  </p:clrMapOvr>
+</p:sld>
+</file>
+
+<file path=ppt/slides/slide24.xml><?xml version="1.0" encoding="utf-8"?>
+<p:sld xmlns:a="http://schemas.openxmlformats.org/drawingml/2006/main" xmlns:r="http://schemas.openxmlformats.org/officeDocument/2006/relationships" xmlns:p="http://schemas.openxmlformats.org/presentationml/2006/main">
+  <p:cSld>
+    <p:spTree>
+      <p:nvGrpSpPr>
+        <p:cNvPr id="1" name=""/>
+        <p:cNvGrpSpPr/>
+        <p:nvPr/>
+      </p:nvGrpSpPr>
+      <p:grpSpPr>
+        <a:xfrm>
+          <a:off x="0" y="0"/>
+          <a:ext cx="0" cy="0"/>
+          <a:chOff x="0" y="0"/>
+          <a:chExt cx="0" cy="0"/>
+        </a:xfrm>
+      </p:grpSpPr>
+      <p:sp>
+        <p:nvSpPr>
+          <p:cNvPr id="8" name="Title 1">
+            <a:extLst>
+              <a:ext uri="{FF2B5EF4-FFF2-40B4-BE49-F238E27FC236}">
+                <a16:creationId xmlns:a16="http://schemas.microsoft.com/office/drawing/2014/main" id="{C0E10118-DDAE-489E-9C51-C7A823181912}"/>
+              </a:ext>
+            </a:extLst>
+          </p:cNvPr>
+          <p:cNvSpPr>
+            <a:spLocks noGrp="1"/>
+          </p:cNvSpPr>
+          <p:nvPr>
+            <p:ph type="title"/>
+          </p:nvPr>
+        </p:nvSpPr>
+        <p:spPr>
+          <a:xfrm>
+            <a:off x="648928" y="629266"/>
+            <a:ext cx="9154134" cy="1622321"/>
+          </a:xfrm>
+        </p:spPr>
+        <p:txBody>
+          <a:bodyPr vert="horz" lIns="91440" tIns="45720" rIns="91440" bIns="45720" rtlCol="0" anchor="ctr">
+            <a:normAutofit/>
+          </a:bodyPr>
+          <a:lstStyle/>
+          <a:p>
+            <a:r>
+              <a:rPr lang="en-US" altLang="zh-CN" sz="4000" b="1" kern="1200" dirty="0">
+                <a:solidFill>
+                  <a:schemeClr val="tx1"/>
+                </a:solidFill>
+                <a:latin typeface="+mj-lt"/>
+                <a:ea typeface="+mj-ea"/>
+                <a:cs typeface="+mj-cs"/>
+              </a:rPr>
+              <a:t>Metrices for Model Evaluation (Regression)</a:t>
+            </a:r>
+            <a:endParaRPr lang="en-US" sz="4000" b="1" kern="1200" dirty="0">
+              <a:solidFill>
+                <a:schemeClr val="tx1"/>
+              </a:solidFill>
+              <a:latin typeface="+mj-lt"/>
+              <a:ea typeface="+mj-ea"/>
+              <a:cs typeface="+mj-cs"/>
+            </a:endParaRPr>
+          </a:p>
+        </p:txBody>
+      </p:sp>
+      <p:pic>
+        <p:nvPicPr>
+          <p:cNvPr id="2050" name="Picture 2" descr="The Professionals Point: Loss Functions in Machine Learning (MAE ...">
+            <a:extLst>
+              <a:ext uri="{FF2B5EF4-FFF2-40B4-BE49-F238E27FC236}">
+                <a16:creationId xmlns:a16="http://schemas.microsoft.com/office/drawing/2014/main" id="{9C4DFA59-5B4C-4003-B40E-43D2920E0688}"/>
+              </a:ext>
+            </a:extLst>
+          </p:cNvPr>
+          <p:cNvPicPr>
+            <a:picLocks noChangeAspect="1" noChangeArrowheads="1"/>
+          </p:cNvPicPr>
+          <p:nvPr/>
+        </p:nvPicPr>
+        <p:blipFill>
+          <a:blip r:embed="rId3">
+            <a:extLst>
+              <a:ext uri="{28A0092B-C50C-407E-A947-70E740481C1C}">
+                <a14:useLocalDpi xmlns:a14="http://schemas.microsoft.com/office/drawing/2010/main" val="0"/>
+              </a:ext>
+            </a:extLst>
+          </a:blip>
+          <a:srcRect/>
+          <a:stretch>
+            <a:fillRect/>
+          </a:stretch>
+        </p:blipFill>
+        <p:spPr bwMode="auto">
+          <a:xfrm>
+            <a:off x="1518933" y="1845425"/>
+            <a:ext cx="9154134" cy="4020639"/>
+          </a:xfrm>
+          <a:prstGeom prst="rect">
+            <a:avLst/>
+          </a:prstGeom>
+          <a:noFill/>
+          <a:extLst>
+            <a:ext uri="{909E8E84-426E-40DD-AFC4-6F175D3DCCD1}">
+              <a14:hiddenFill xmlns:a14="http://schemas.microsoft.com/office/drawing/2010/main">
+                <a:solidFill>
+                  <a:srgbClr val="FFFFFF"/>
+                </a:solidFill>
+              </a14:hiddenFill>
+            </a:ext>
+          </a:extLst>
+        </p:spPr>
+      </p:pic>
+    </p:spTree>
+    <p:extLst>
+      <p:ext uri="{BB962C8B-B14F-4D97-AF65-F5344CB8AC3E}">
+        <p14:creationId xmlns:p14="http://schemas.microsoft.com/office/powerpoint/2010/main" val="777828533"/>
       </p:ext>
     </p:extLst>
   </p:cSld>

--- a/Introduction to Machine Learning.pptx
+++ b/Introduction to Machine Learning.pptx
@@ -222,7 +222,7 @@
           <a:p>
             <a:fld id="{CB5F933A-5590-4DA8-96B9-0A49C6754116}" type="datetimeFigureOut">
               <a:rPr lang="en-MY" smtClean="0"/>
-              <a:t>12/6/2020</a:t>
+              <a:t>13/6/2020</a:t>
             </a:fld>
             <a:endParaRPr lang="en-MY"/>
           </a:p>
@@ -1296,7 +1296,7 @@
           <a:p>
             <a:fld id="{D57336B1-66B2-409B-8415-663FE0FBAF46}" type="datetimeFigureOut">
               <a:rPr lang="en-MY" smtClean="0"/>
-              <a:t>12/6/2020</a:t>
+              <a:t>13/6/2020</a:t>
             </a:fld>
             <a:endParaRPr lang="en-MY"/>
           </a:p>
@@ -1496,7 +1496,7 @@
           <a:p>
             <a:fld id="{D57336B1-66B2-409B-8415-663FE0FBAF46}" type="datetimeFigureOut">
               <a:rPr lang="en-MY" smtClean="0"/>
-              <a:t>12/6/2020</a:t>
+              <a:t>13/6/2020</a:t>
             </a:fld>
             <a:endParaRPr lang="en-MY"/>
           </a:p>
@@ -1706,7 +1706,7 @@
           <a:p>
             <a:fld id="{D57336B1-66B2-409B-8415-663FE0FBAF46}" type="datetimeFigureOut">
               <a:rPr lang="en-MY" smtClean="0"/>
-              <a:t>12/6/2020</a:t>
+              <a:t>13/6/2020</a:t>
             </a:fld>
             <a:endParaRPr lang="en-MY"/>
           </a:p>
@@ -1906,7 +1906,7 @@
           <a:p>
             <a:fld id="{D57336B1-66B2-409B-8415-663FE0FBAF46}" type="datetimeFigureOut">
               <a:rPr lang="en-MY" smtClean="0"/>
-              <a:t>12/6/2020</a:t>
+              <a:t>13/6/2020</a:t>
             </a:fld>
             <a:endParaRPr lang="en-MY"/>
           </a:p>
@@ -2182,7 +2182,7 @@
           <a:p>
             <a:fld id="{D57336B1-66B2-409B-8415-663FE0FBAF46}" type="datetimeFigureOut">
               <a:rPr lang="en-MY" smtClean="0"/>
-              <a:t>12/6/2020</a:t>
+              <a:t>13/6/2020</a:t>
             </a:fld>
             <a:endParaRPr lang="en-MY"/>
           </a:p>
@@ -2450,7 +2450,7 @@
           <a:p>
             <a:fld id="{D57336B1-66B2-409B-8415-663FE0FBAF46}" type="datetimeFigureOut">
               <a:rPr lang="en-MY" smtClean="0"/>
-              <a:t>12/6/2020</a:t>
+              <a:t>13/6/2020</a:t>
             </a:fld>
             <a:endParaRPr lang="en-MY"/>
           </a:p>
@@ -2865,7 +2865,7 @@
           <a:p>
             <a:fld id="{D57336B1-66B2-409B-8415-663FE0FBAF46}" type="datetimeFigureOut">
               <a:rPr lang="en-MY" smtClean="0"/>
-              <a:t>12/6/2020</a:t>
+              <a:t>13/6/2020</a:t>
             </a:fld>
             <a:endParaRPr lang="en-MY"/>
           </a:p>
@@ -3007,7 +3007,7 @@
           <a:p>
             <a:fld id="{D57336B1-66B2-409B-8415-663FE0FBAF46}" type="datetimeFigureOut">
               <a:rPr lang="en-MY" smtClean="0"/>
-              <a:t>12/6/2020</a:t>
+              <a:t>13/6/2020</a:t>
             </a:fld>
             <a:endParaRPr lang="en-MY"/>
           </a:p>
@@ -3120,7 +3120,7 @@
           <a:p>
             <a:fld id="{D57336B1-66B2-409B-8415-663FE0FBAF46}" type="datetimeFigureOut">
               <a:rPr lang="en-MY" smtClean="0"/>
-              <a:t>12/6/2020</a:t>
+              <a:t>13/6/2020</a:t>
             </a:fld>
             <a:endParaRPr lang="en-MY"/>
           </a:p>
@@ -3433,7 +3433,7 @@
           <a:p>
             <a:fld id="{D57336B1-66B2-409B-8415-663FE0FBAF46}" type="datetimeFigureOut">
               <a:rPr lang="en-MY" smtClean="0"/>
-              <a:t>12/6/2020</a:t>
+              <a:t>13/6/2020</a:t>
             </a:fld>
             <a:endParaRPr lang="en-MY"/>
           </a:p>
@@ -3722,7 +3722,7 @@
           <a:p>
             <a:fld id="{D57336B1-66B2-409B-8415-663FE0FBAF46}" type="datetimeFigureOut">
               <a:rPr lang="en-MY" smtClean="0"/>
-              <a:t>12/6/2020</a:t>
+              <a:t>13/6/2020</a:t>
             </a:fld>
             <a:endParaRPr lang="en-MY"/>
           </a:p>
@@ -3965,7 +3965,7 @@
           <a:p>
             <a:fld id="{D57336B1-66B2-409B-8415-663FE0FBAF46}" type="datetimeFigureOut">
               <a:rPr lang="en-MY" smtClean="0"/>
-              <a:t>12/6/2020</a:t>
+              <a:t>13/6/2020</a:t>
             </a:fld>
             <a:endParaRPr lang="en-MY"/>
           </a:p>
@@ -18654,6 +18654,97 @@
                 </a:solidFill>
               </a:rPr>
               <a:t>Target</a:t>
+            </a:r>
+          </a:p>
+        </p:txBody>
+      </p:sp>
+      <p:sp>
+        <p:nvSpPr>
+          <p:cNvPr id="7" name="Rectangle 6">
+            <a:extLst>
+              <a:ext uri="{FF2B5EF4-FFF2-40B4-BE49-F238E27FC236}">
+                <a16:creationId xmlns:a16="http://schemas.microsoft.com/office/drawing/2014/main" id="{E1EA5985-02E0-49A3-89D2-33CC7248EE39}"/>
+              </a:ext>
+            </a:extLst>
+          </p:cNvPr>
+          <p:cNvSpPr/>
+          <p:nvPr/>
+        </p:nvSpPr>
+        <p:spPr>
+          <a:xfrm rot="16200000">
+            <a:off x="5366067" y="-3822014"/>
+            <a:ext cx="704801" cy="10081374"/>
+          </a:xfrm>
+          <a:prstGeom prst="rect">
+            <a:avLst/>
+          </a:prstGeom>
+          <a:noFill/>
+          <a:ln w="53975">
+            <a:solidFill>
+              <a:srgbClr val="FFC000"/>
+            </a:solidFill>
+          </a:ln>
+        </p:spPr>
+        <p:style>
+          <a:lnRef idx="2">
+            <a:schemeClr val="accent1">
+              <a:shade val="50000"/>
+            </a:schemeClr>
+          </a:lnRef>
+          <a:fillRef idx="1">
+            <a:schemeClr val="accent1"/>
+          </a:fillRef>
+          <a:effectRef idx="0">
+            <a:schemeClr val="accent1"/>
+          </a:effectRef>
+          <a:fontRef idx="minor">
+            <a:schemeClr val="lt1"/>
+          </a:fontRef>
+        </p:style>
+        <p:txBody>
+          <a:bodyPr rtlCol="0" anchor="ctr"/>
+          <a:lstStyle/>
+          <a:p>
+            <a:pPr algn="ctr"/>
+            <a:endParaRPr lang="en-MY"/>
+          </a:p>
+        </p:txBody>
+      </p:sp>
+      <p:sp>
+        <p:nvSpPr>
+          <p:cNvPr id="8" name="TextBox 7">
+            <a:extLst>
+              <a:ext uri="{FF2B5EF4-FFF2-40B4-BE49-F238E27FC236}">
+                <a16:creationId xmlns:a16="http://schemas.microsoft.com/office/drawing/2014/main" id="{1A21A2B2-334F-4940-9AE8-4F428CB2734B}"/>
+              </a:ext>
+            </a:extLst>
+          </p:cNvPr>
+          <p:cNvSpPr txBox="1"/>
+          <p:nvPr/>
+        </p:nvSpPr>
+        <p:spPr>
+          <a:xfrm>
+            <a:off x="5331277" y="433821"/>
+            <a:ext cx="1003736" cy="369332"/>
+          </a:xfrm>
+          <a:prstGeom prst="rect">
+            <a:avLst/>
+          </a:prstGeom>
+          <a:noFill/>
+        </p:spPr>
+        <p:txBody>
+          <a:bodyPr wrap="none" rtlCol="0">
+            <a:spAutoFit/>
+          </a:bodyPr>
+          <a:lstStyle/>
+          <a:p>
+            <a:r>
+              <a:rPr lang="en-MY" b="1" dirty="0">
+                <a:solidFill>
+                  <a:srgbClr val="FFC000"/>
+                </a:solidFill>
+              </a:rPr>
+              <a:t>Features</a:t>
             </a:r>
           </a:p>
         </p:txBody>

--- a/Introduction to Machine Learning.pptx
+++ b/Introduction to Machine Learning.pptx
@@ -5,7 +5,7 @@
     <p:sldMasterId id="2147483648" r:id="rId1"/>
   </p:sldMasterIdLst>
   <p:notesMasterIdLst>
-    <p:notesMasterId r:id="rId28"/>
+    <p:notesMasterId r:id="rId29"/>
   </p:notesMasterIdLst>
   <p:sldIdLst>
     <p:sldId id="256" r:id="rId2"/>
@@ -28,12 +28,13 @@
     <p:sldId id="440" r:id="rId19"/>
     <p:sldId id="430" r:id="rId20"/>
     <p:sldId id="429" r:id="rId21"/>
-    <p:sldId id="435" r:id="rId22"/>
-    <p:sldId id="441" r:id="rId23"/>
-    <p:sldId id="443" r:id="rId24"/>
-    <p:sldId id="427" r:id="rId25"/>
-    <p:sldId id="428" r:id="rId26"/>
-    <p:sldId id="433" r:id="rId27"/>
+    <p:sldId id="428" r:id="rId22"/>
+    <p:sldId id="435" r:id="rId23"/>
+    <p:sldId id="441" r:id="rId24"/>
+    <p:sldId id="443" r:id="rId25"/>
+    <p:sldId id="427" r:id="rId26"/>
+    <p:sldId id="446" r:id="rId27"/>
+    <p:sldId id="433" r:id="rId28"/>
   </p:sldIdLst>
   <p:sldSz cx="12192000" cy="6858000"/>
   <p:notesSz cx="6858000" cy="9144000"/>
@@ -10755,1117 +10756,6 @@
           <a:chExt cx="0" cy="0"/>
         </a:xfrm>
       </p:grpSpPr>
-      <p:sp>
-        <p:nvSpPr>
-          <p:cNvPr id="2" name="Title 1">
-            <a:extLst>
-              <a:ext uri="{FF2B5EF4-FFF2-40B4-BE49-F238E27FC236}">
-                <a16:creationId xmlns:a16="http://schemas.microsoft.com/office/drawing/2014/main" id="{BA2C707A-4359-4378-9292-7CDDA0B4DEA2}"/>
-              </a:ext>
-            </a:extLst>
-          </p:cNvPr>
-          <p:cNvSpPr>
-            <a:spLocks noGrp="1"/>
-          </p:cNvSpPr>
-          <p:nvPr>
-            <p:ph type="title"/>
-          </p:nvPr>
-        </p:nvSpPr>
-        <p:spPr>
-          <a:xfrm>
-            <a:off x="1136427" y="627564"/>
-            <a:ext cx="8277559" cy="1325563"/>
-          </a:xfrm>
-        </p:spPr>
-        <p:txBody>
-          <a:bodyPr vert="horz" lIns="91440" tIns="45720" rIns="91440" bIns="45720" rtlCol="0" anchor="ctr">
-            <a:normAutofit/>
-          </a:bodyPr>
-          <a:lstStyle/>
-          <a:p>
-            <a:r>
-              <a:rPr lang="en-US" altLang="zh-CN" b="1" kern="1200" dirty="0">
-                <a:solidFill>
-                  <a:schemeClr val="tx1"/>
-                </a:solidFill>
-                <a:latin typeface="+mj-lt"/>
-                <a:ea typeface="+mj-ea"/>
-                <a:cs typeface="+mj-cs"/>
-              </a:rPr>
-              <a:t>Normalization and Standardization</a:t>
-            </a:r>
-            <a:endParaRPr lang="en-US" b="1" kern="1200" dirty="0">
-              <a:solidFill>
-                <a:schemeClr val="tx1"/>
-              </a:solidFill>
-              <a:latin typeface="+mj-lt"/>
-              <a:ea typeface="+mj-ea"/>
-              <a:cs typeface="+mj-cs"/>
-            </a:endParaRPr>
-          </a:p>
-        </p:txBody>
-      </p:sp>
-      <p:sp>
-        <p:nvSpPr>
-          <p:cNvPr id="12" name="TextBox 3">
-            <a:extLst>
-              <a:ext uri="{FF2B5EF4-FFF2-40B4-BE49-F238E27FC236}">
-                <a16:creationId xmlns:a16="http://schemas.microsoft.com/office/drawing/2014/main" id="{91E25908-9E9F-42AF-96EB-E8ACE6D1162B}"/>
-              </a:ext>
-            </a:extLst>
-          </p:cNvPr>
-          <p:cNvSpPr txBox="1"/>
-          <p:nvPr/>
-        </p:nvSpPr>
-        <p:spPr>
-          <a:xfrm>
-            <a:off x="1130405" y="2112669"/>
-            <a:ext cx="7887498" cy="3775659"/>
-          </a:xfrm>
-          <a:prstGeom prst="rect">
-            <a:avLst/>
-          </a:prstGeom>
-        </p:spPr>
-        <p:txBody>
-          <a:bodyPr vert="horz" lIns="91440" tIns="45720" rIns="91440" bIns="45720" numCol="1" rtlCol="0" anchor="ctr">
-            <a:normAutofit/>
-          </a:bodyPr>
-          <a:lstStyle/>
-          <a:p>
-            <a:pPr marL="57150" indent="-228600">
-              <a:lnSpc>
-                <a:spcPct val="90000"/>
-              </a:lnSpc>
-              <a:spcAft>
-                <a:spcPts val="600"/>
-              </a:spcAft>
-              <a:buFont typeface="Arial" panose="020B0604020202020204" pitchFamily="34" charset="0"/>
-              <a:buChar char="•"/>
-            </a:pPr>
-            <a:r>
-              <a:rPr lang="en-US" sz="2400" b="1" dirty="0"/>
-              <a:t>Normalization</a:t>
-            </a:r>
-          </a:p>
-          <a:p>
-            <a:pPr>
-              <a:lnSpc>
-                <a:spcPct val="90000"/>
-              </a:lnSpc>
-              <a:spcAft>
-                <a:spcPts val="600"/>
-              </a:spcAft>
-            </a:pPr>
-            <a:r>
-              <a:rPr lang="en-US" sz="2400" dirty="0"/>
-              <a:t>Scale the numeric values in between the range of 0 and 1.</a:t>
-            </a:r>
-          </a:p>
-          <a:p>
-            <a:pPr>
-              <a:lnSpc>
-                <a:spcPct val="90000"/>
-              </a:lnSpc>
-              <a:spcAft>
-                <a:spcPts val="600"/>
-              </a:spcAft>
-            </a:pPr>
-            <a:endParaRPr lang="en-US" sz="2400" dirty="0"/>
-          </a:p>
-          <a:p>
-            <a:pPr>
-              <a:lnSpc>
-                <a:spcPct val="90000"/>
-              </a:lnSpc>
-              <a:spcAft>
-                <a:spcPts val="600"/>
-              </a:spcAft>
-            </a:pPr>
-            <a:endParaRPr lang="en-US" sz="2400" dirty="0"/>
-          </a:p>
-          <a:p>
-            <a:pPr>
-              <a:lnSpc>
-                <a:spcPct val="90000"/>
-              </a:lnSpc>
-              <a:spcAft>
-                <a:spcPts val="600"/>
-              </a:spcAft>
-            </a:pPr>
-            <a:endParaRPr lang="en-US" sz="2400" dirty="0"/>
-          </a:p>
-          <a:p>
-            <a:pPr marL="57150" indent="-228600">
-              <a:lnSpc>
-                <a:spcPct val="90000"/>
-              </a:lnSpc>
-              <a:spcAft>
-                <a:spcPts val="600"/>
-              </a:spcAft>
-              <a:buFont typeface="Arial" panose="020B0604020202020204" pitchFamily="34" charset="0"/>
-              <a:buChar char="•"/>
-            </a:pPr>
-            <a:endParaRPr lang="en-US" sz="2400" dirty="0"/>
-          </a:p>
-          <a:p>
-            <a:pPr marL="57150" indent="-228600">
-              <a:lnSpc>
-                <a:spcPct val="90000"/>
-              </a:lnSpc>
-              <a:spcAft>
-                <a:spcPts val="600"/>
-              </a:spcAft>
-              <a:buFont typeface="Arial" panose="020B0604020202020204" pitchFamily="34" charset="0"/>
-              <a:buChar char="•"/>
-            </a:pPr>
-            <a:r>
-              <a:rPr lang="en-US" sz="2400" b="1" dirty="0"/>
-              <a:t>Standardization</a:t>
-            </a:r>
-          </a:p>
-          <a:p>
-            <a:pPr>
-              <a:lnSpc>
-                <a:spcPct val="90000"/>
-              </a:lnSpc>
-              <a:spcAft>
-                <a:spcPts val="600"/>
-              </a:spcAft>
-            </a:pPr>
-            <a:r>
-              <a:rPr lang="en-US" sz="2400" dirty="0"/>
-              <a:t>Scale the numeric values such that it have a mean of 0 and variance of 1.</a:t>
-            </a:r>
-          </a:p>
-          <a:p>
-            <a:pPr marL="57150" indent="-228600">
-              <a:lnSpc>
-                <a:spcPct val="90000"/>
-              </a:lnSpc>
-              <a:spcAft>
-                <a:spcPts val="600"/>
-              </a:spcAft>
-              <a:buFont typeface="Arial" panose="020B0604020202020204" pitchFamily="34" charset="0"/>
-              <a:buChar char="•"/>
-            </a:pPr>
-            <a:endParaRPr lang="en-US" sz="2400" dirty="0"/>
-          </a:p>
-        </p:txBody>
-      </p:sp>
-      <p:pic>
-        <p:nvPicPr>
-          <p:cNvPr id="8" name="Graphic 7" descr="Calculator">
-            <a:extLst>
-              <a:ext uri="{FF2B5EF4-FFF2-40B4-BE49-F238E27FC236}">
-                <a16:creationId xmlns:a16="http://schemas.microsoft.com/office/drawing/2014/main" id="{E9733128-BC06-441F-9569-5B169171202D}"/>
-              </a:ext>
-            </a:extLst>
-          </p:cNvPr>
-          <p:cNvPicPr>
-            <a:picLocks noChangeAspect="1"/>
-          </p:cNvPicPr>
-          <p:nvPr/>
-        </p:nvPicPr>
-        <p:blipFill>
-          <a:blip r:embed="rId2">
-            <a:extLst>
-              <a:ext uri="{28A0092B-C50C-407E-A947-70E740481C1C}">
-                <a14:useLocalDpi xmlns:a14="http://schemas.microsoft.com/office/drawing/2010/main" val="0"/>
-              </a:ext>
-              <a:ext uri="{96DAC541-7B7A-43D3-8B79-37D633B846F1}">
-                <asvg:svgBlip xmlns:asvg="http://schemas.microsoft.com/office/drawing/2016/SVG/main" r:embed="rId3"/>
-              </a:ext>
-            </a:extLst>
-          </a:blip>
-          <a:stretch>
-            <a:fillRect/>
-          </a:stretch>
-        </p:blipFill>
-        <p:spPr>
-          <a:xfrm>
-            <a:off x="9413987" y="2857501"/>
-            <a:ext cx="1142998" cy="1142998"/>
-          </a:xfrm>
-          <a:prstGeom prst="rect">
-            <a:avLst/>
-          </a:prstGeom>
-        </p:spPr>
-      </p:pic>
-      <p:pic>
-        <p:nvPicPr>
-          <p:cNvPr id="4100" name="Picture 4" descr="Standardization equation">
-            <a:extLst>
-              <a:ext uri="{FF2B5EF4-FFF2-40B4-BE49-F238E27FC236}">
-                <a16:creationId xmlns:a16="http://schemas.microsoft.com/office/drawing/2014/main" id="{F315B27C-A68B-4069-8296-6213B6E152A8}"/>
-              </a:ext>
-            </a:extLst>
-          </p:cNvPr>
-          <p:cNvPicPr>
-            <a:picLocks noChangeAspect="1" noChangeArrowheads="1"/>
-          </p:cNvPicPr>
-          <p:nvPr/>
-        </p:nvPicPr>
-        <p:blipFill>
-          <a:blip r:embed="rId4">
-            <a:extLst>
-              <a:ext uri="{28A0092B-C50C-407E-A947-70E740481C1C}">
-                <a14:useLocalDpi xmlns:a14="http://schemas.microsoft.com/office/drawing/2010/main" val="0"/>
-              </a:ext>
-            </a:extLst>
-          </a:blip>
-          <a:srcRect/>
-          <a:stretch>
-            <a:fillRect/>
-          </a:stretch>
-        </p:blipFill>
-        <p:spPr bwMode="auto">
-          <a:xfrm>
-            <a:off x="3873389" y="5535903"/>
-            <a:ext cx="2369756" cy="903928"/>
-          </a:xfrm>
-          <a:prstGeom prst="rect">
-            <a:avLst/>
-          </a:prstGeom>
-          <a:noFill/>
-          <a:extLst>
-            <a:ext uri="{909E8E84-426E-40DD-AFC4-6F175D3DCCD1}">
-              <a14:hiddenFill xmlns:a14="http://schemas.microsoft.com/office/drawing/2010/main">
-                <a:solidFill>
-                  <a:srgbClr val="FFFFFF"/>
-                </a:solidFill>
-              </a14:hiddenFill>
-            </a:ext>
-          </a:extLst>
-        </p:spPr>
-      </p:pic>
-      <p:pic>
-        <p:nvPicPr>
-          <p:cNvPr id="4102" name="Picture 6" descr="Normalization equation">
-            <a:extLst>
-              <a:ext uri="{FF2B5EF4-FFF2-40B4-BE49-F238E27FC236}">
-                <a16:creationId xmlns:a16="http://schemas.microsoft.com/office/drawing/2014/main" id="{8DF1F565-ABB5-4CE9-ADEE-291D806FFD80}"/>
-              </a:ext>
-            </a:extLst>
-          </p:cNvPr>
-          <p:cNvPicPr>
-            <a:picLocks noChangeAspect="1" noChangeArrowheads="1"/>
-          </p:cNvPicPr>
-          <p:nvPr/>
-        </p:nvPicPr>
-        <p:blipFill>
-          <a:blip r:embed="rId5">
-            <a:extLst>
-              <a:ext uri="{28A0092B-C50C-407E-A947-70E740481C1C}">
-                <a14:useLocalDpi xmlns:a14="http://schemas.microsoft.com/office/drawing/2010/main" val="0"/>
-              </a:ext>
-            </a:extLst>
-          </a:blip>
-          <a:srcRect/>
-          <a:stretch>
-            <a:fillRect/>
-          </a:stretch>
-        </p:blipFill>
-        <p:spPr bwMode="auto">
-          <a:xfrm>
-            <a:off x="3489763" y="3243263"/>
-            <a:ext cx="3476646" cy="903928"/>
-          </a:xfrm>
-          <a:prstGeom prst="rect">
-            <a:avLst/>
-          </a:prstGeom>
-          <a:noFill/>
-          <a:extLst>
-            <a:ext uri="{909E8E84-426E-40DD-AFC4-6F175D3DCCD1}">
-              <a14:hiddenFill xmlns:a14="http://schemas.microsoft.com/office/drawing/2010/main">
-                <a:solidFill>
-                  <a:srgbClr val="FFFFFF"/>
-                </a:solidFill>
-              </a14:hiddenFill>
-            </a:ext>
-          </a:extLst>
-        </p:spPr>
-      </p:pic>
-    </p:spTree>
-    <p:extLst>
-      <p:ext uri="{BB962C8B-B14F-4D97-AF65-F5344CB8AC3E}">
-        <p14:creationId xmlns:p14="http://schemas.microsoft.com/office/powerpoint/2010/main" val="2325774983"/>
-      </p:ext>
-    </p:extLst>
-  </p:cSld>
-  <p:clrMapOvr>
-    <a:masterClrMapping/>
-  </p:clrMapOvr>
-</p:sld>
-</file>
-
-<file path=ppt/slides/slide22.xml><?xml version="1.0" encoding="utf-8"?>
-<p:sld xmlns:a="http://schemas.openxmlformats.org/drawingml/2006/main" xmlns:r="http://schemas.openxmlformats.org/officeDocument/2006/relationships" xmlns:p="http://schemas.openxmlformats.org/presentationml/2006/main">
-  <p:cSld>
-    <p:bg>
-      <p:bgPr>
-        <a:solidFill>
-          <a:schemeClr val="bg1"/>
-        </a:solidFill>
-        <a:effectLst/>
-      </p:bgPr>
-    </p:bg>
-    <p:spTree>
-      <p:nvGrpSpPr>
-        <p:cNvPr id="1" name=""/>
-        <p:cNvGrpSpPr/>
-        <p:nvPr/>
-      </p:nvGrpSpPr>
-      <p:grpSpPr>
-        <a:xfrm>
-          <a:off x="0" y="0"/>
-          <a:ext cx="0" cy="0"/>
-          <a:chOff x="0" y="0"/>
-          <a:chExt cx="0" cy="0"/>
-        </a:xfrm>
-      </p:grpSpPr>
-      <p:sp>
-        <p:nvSpPr>
-          <p:cNvPr id="2" name="Title 1">
-            <a:extLst>
-              <a:ext uri="{FF2B5EF4-FFF2-40B4-BE49-F238E27FC236}">
-                <a16:creationId xmlns:a16="http://schemas.microsoft.com/office/drawing/2014/main" id="{BA2C707A-4359-4378-9292-7CDDA0B4DEA2}"/>
-              </a:ext>
-            </a:extLst>
-          </p:cNvPr>
-          <p:cNvSpPr>
-            <a:spLocks noGrp="1"/>
-          </p:cNvSpPr>
-          <p:nvPr>
-            <p:ph type="title"/>
-          </p:nvPr>
-        </p:nvSpPr>
-        <p:spPr>
-          <a:xfrm>
-            <a:off x="1136428" y="627564"/>
-            <a:ext cx="7474172" cy="1325563"/>
-          </a:xfrm>
-        </p:spPr>
-        <p:txBody>
-          <a:bodyPr vert="horz" lIns="91440" tIns="45720" rIns="91440" bIns="45720" rtlCol="0" anchor="ctr">
-            <a:normAutofit/>
-          </a:bodyPr>
-          <a:lstStyle/>
-          <a:p>
-            <a:r>
-              <a:rPr lang="en-US" altLang="zh-CN" b="1" kern="1200" dirty="0">
-                <a:solidFill>
-                  <a:schemeClr val="tx1"/>
-                </a:solidFill>
-                <a:latin typeface="+mj-lt"/>
-                <a:ea typeface="+mj-ea"/>
-                <a:cs typeface="+mj-cs"/>
-              </a:rPr>
-              <a:t>When to Normalize and Standardize?</a:t>
-            </a:r>
-            <a:endParaRPr lang="en-US" b="1" kern="1200" dirty="0">
-              <a:solidFill>
-                <a:schemeClr val="tx1"/>
-              </a:solidFill>
-              <a:latin typeface="+mj-lt"/>
-              <a:ea typeface="+mj-ea"/>
-              <a:cs typeface="+mj-cs"/>
-            </a:endParaRPr>
-          </a:p>
-        </p:txBody>
-      </p:sp>
-      <p:sp>
-        <p:nvSpPr>
-          <p:cNvPr id="12" name="TextBox 3">
-            <a:extLst>
-              <a:ext uri="{FF2B5EF4-FFF2-40B4-BE49-F238E27FC236}">
-                <a16:creationId xmlns:a16="http://schemas.microsoft.com/office/drawing/2014/main" id="{91E25908-9E9F-42AF-96EB-E8ACE6D1162B}"/>
-              </a:ext>
-            </a:extLst>
-          </p:cNvPr>
-          <p:cNvSpPr txBox="1"/>
-          <p:nvPr/>
-        </p:nvSpPr>
-        <p:spPr>
-          <a:xfrm>
-            <a:off x="1233322" y="1953127"/>
-            <a:ext cx="7280384" cy="2350859"/>
-          </a:xfrm>
-          <a:prstGeom prst="rect">
-            <a:avLst/>
-          </a:prstGeom>
-        </p:spPr>
-        <p:txBody>
-          <a:bodyPr vert="horz" lIns="91440" tIns="45720" rIns="91440" bIns="45720" numCol="1" rtlCol="0" anchor="ctr">
-            <a:normAutofit/>
-          </a:bodyPr>
-          <a:lstStyle/>
-          <a:p>
-            <a:pPr>
-              <a:lnSpc>
-                <a:spcPct val="90000"/>
-              </a:lnSpc>
-              <a:spcAft>
-                <a:spcPts val="600"/>
-              </a:spcAft>
-            </a:pPr>
-            <a:r>
-              <a:rPr lang="en-US" sz="2400" b="1" dirty="0"/>
-              <a:t>Generally (but not limited to):</a:t>
-            </a:r>
-            <a:endParaRPr lang="en-US" sz="2400" dirty="0"/>
-          </a:p>
-          <a:p>
-            <a:pPr marL="285750" indent="-228600">
-              <a:lnSpc>
-                <a:spcPct val="90000"/>
-              </a:lnSpc>
-              <a:spcAft>
-                <a:spcPts val="600"/>
-              </a:spcAft>
-              <a:buFont typeface="Arial" panose="020B0604020202020204" pitchFamily="34" charset="0"/>
-              <a:buChar char="•"/>
-            </a:pPr>
-            <a:r>
-              <a:rPr lang="en-US" sz="2400" dirty="0"/>
-              <a:t>Normalization is used when data is not Gaussian distributed. </a:t>
-            </a:r>
-          </a:p>
-          <a:p>
-            <a:pPr marL="285750" indent="-228600">
-              <a:lnSpc>
-                <a:spcPct val="90000"/>
-              </a:lnSpc>
-              <a:spcAft>
-                <a:spcPts val="600"/>
-              </a:spcAft>
-              <a:buFont typeface="Arial" panose="020B0604020202020204" pitchFamily="34" charset="0"/>
-              <a:buChar char="•"/>
-            </a:pPr>
-            <a:endParaRPr lang="en-US" sz="2400" dirty="0"/>
-          </a:p>
-          <a:p>
-            <a:pPr marL="285750" indent="-228600">
-              <a:lnSpc>
-                <a:spcPct val="90000"/>
-              </a:lnSpc>
-              <a:spcAft>
-                <a:spcPts val="600"/>
-              </a:spcAft>
-              <a:buFont typeface="Arial" panose="020B0604020202020204" pitchFamily="34" charset="0"/>
-              <a:buChar char="•"/>
-            </a:pPr>
-            <a:r>
-              <a:rPr lang="en-US" sz="2400" dirty="0"/>
-              <a:t>Standardization, on the other hand, is used when the data follows a Gaussian distribution.</a:t>
-            </a:r>
-          </a:p>
-        </p:txBody>
-      </p:sp>
-      <p:sp>
-        <p:nvSpPr>
-          <p:cNvPr id="19" name="Rectangle 18">
-            <a:extLst>
-              <a:ext uri="{FF2B5EF4-FFF2-40B4-BE49-F238E27FC236}">
-                <a16:creationId xmlns:a16="http://schemas.microsoft.com/office/drawing/2014/main" id="{59A309A7-1751-4ABE-A3C1-EEC40366AD89}"/>
-              </a:ext>
-              <a:ext uri="{C183D7F6-B498-43B3-948B-1728B52AA6E4}">
-                <adec:decorative xmlns:adec="http://schemas.microsoft.com/office/drawing/2017/decorative" val="1"/>
-              </a:ext>
-            </a:extLst>
-          </p:cNvPr>
-          <p:cNvSpPr>
-            <a:spLocks noGrp="1" noRot="1" noChangeAspect="1" noMove="1" noResize="1" noEditPoints="1" noAdjustHandles="1" noChangeArrowheads="1" noChangeShapeType="1" noTextEdit="1"/>
-          </p:cNvSpPr>
-          <p:nvPr>
-            <p:extLst>
-              <p:ext uri="{386F3935-93C4-4BCD-93E2-E3B085C9AB24}">
-                <p16:designElem xmlns:p16="http://schemas.microsoft.com/office/powerpoint/2015/main" val="1"/>
-              </p:ext>
-            </p:extLst>
-          </p:nvPr>
-        </p:nvSpPr>
-        <p:spPr>
-          <a:xfrm>
-            <a:off x="10088880" y="0"/>
-            <a:ext cx="2103120" cy="6858000"/>
-          </a:xfrm>
-          <a:prstGeom prst="rect">
-            <a:avLst/>
-          </a:prstGeom>
-          <a:solidFill>
-            <a:schemeClr val="accent1"/>
-          </a:solidFill>
-          <a:ln>
-            <a:noFill/>
-          </a:ln>
-        </p:spPr>
-        <p:style>
-          <a:lnRef idx="2">
-            <a:schemeClr val="accent1">
-              <a:shade val="50000"/>
-            </a:schemeClr>
-          </a:lnRef>
-          <a:fillRef idx="1">
-            <a:schemeClr val="accent1"/>
-          </a:fillRef>
-          <a:effectRef idx="0">
-            <a:schemeClr val="accent1"/>
-          </a:effectRef>
-          <a:fontRef idx="minor">
-            <a:schemeClr val="lt1"/>
-          </a:fontRef>
-        </p:style>
-        <p:txBody>
-          <a:bodyPr rtlCol="0" anchor="ctr"/>
-          <a:lstStyle/>
-          <a:p>
-            <a:pPr algn="ctr"/>
-            <a:endParaRPr lang="en-US"/>
-          </a:p>
-        </p:txBody>
-      </p:sp>
-      <p:sp>
-        <p:nvSpPr>
-          <p:cNvPr id="21" name="Oval 20">
-            <a:extLst>
-              <a:ext uri="{FF2B5EF4-FFF2-40B4-BE49-F238E27FC236}">
-                <a16:creationId xmlns:a16="http://schemas.microsoft.com/office/drawing/2014/main" id="{967D8EB6-EAE1-4F9C-B398-83321E287204}"/>
-              </a:ext>
-              <a:ext uri="{C183D7F6-B498-43B3-948B-1728B52AA6E4}">
-                <adec:decorative xmlns:adec="http://schemas.microsoft.com/office/drawing/2017/decorative" val="1"/>
-              </a:ext>
-            </a:extLst>
-          </p:cNvPr>
-          <p:cNvSpPr>
-            <a:spLocks noGrp="1" noRot="1" noChangeAspect="1" noMove="1" noResize="1" noEditPoints="1" noAdjustHandles="1" noChangeArrowheads="1" noChangeShapeType="1" noTextEdit="1"/>
-          </p:cNvSpPr>
-          <p:nvPr>
-            <p:extLst>
-              <p:ext uri="{386F3935-93C4-4BCD-93E2-E3B085C9AB24}">
-                <p16:designElem xmlns:p16="http://schemas.microsoft.com/office/powerpoint/2015/main" val="1"/>
-              </p:ext>
-            </p:extLst>
-          </p:nvPr>
-        </p:nvSpPr>
-        <p:spPr>
-          <a:xfrm>
-            <a:off x="8915400" y="2358913"/>
-            <a:ext cx="2140172" cy="2140172"/>
-          </a:xfrm>
-          <a:prstGeom prst="ellipse">
-            <a:avLst/>
-          </a:prstGeom>
-          <a:solidFill>
-            <a:srgbClr val="FFFFFF"/>
-          </a:solidFill>
-          <a:ln w="22225">
-            <a:solidFill>
-              <a:schemeClr val="accent1"/>
-            </a:solidFill>
-          </a:ln>
-        </p:spPr>
-        <p:style>
-          <a:lnRef idx="2">
-            <a:schemeClr val="accent1">
-              <a:shade val="50000"/>
-            </a:schemeClr>
-          </a:lnRef>
-          <a:fillRef idx="1">
-            <a:schemeClr val="accent1"/>
-          </a:fillRef>
-          <a:effectRef idx="0">
-            <a:schemeClr val="accent1"/>
-          </a:effectRef>
-          <a:fontRef idx="minor">
-            <a:schemeClr val="lt1"/>
-          </a:fontRef>
-        </p:style>
-        <p:txBody>
-          <a:bodyPr rtlCol="0" anchor="ctr"/>
-          <a:lstStyle/>
-          <a:p>
-            <a:pPr algn="ctr"/>
-            <a:endParaRPr lang="en-US"/>
-          </a:p>
-        </p:txBody>
-      </p:sp>
-      <p:pic>
-        <p:nvPicPr>
-          <p:cNvPr id="16" name="Graphic 15" descr="Statistics">
-            <a:extLst>
-              <a:ext uri="{FF2B5EF4-FFF2-40B4-BE49-F238E27FC236}">
-                <a16:creationId xmlns:a16="http://schemas.microsoft.com/office/drawing/2014/main" id="{EC9622EE-8FED-4FC2-9C85-5CAAB8C8997E}"/>
-              </a:ext>
-            </a:extLst>
-          </p:cNvPr>
-          <p:cNvPicPr>
-            <a:picLocks noChangeAspect="1"/>
-          </p:cNvPicPr>
-          <p:nvPr/>
-        </p:nvPicPr>
-        <p:blipFill>
-          <a:blip r:embed="rId2">
-            <a:extLst>
-              <a:ext uri="{28A0092B-C50C-407E-A947-70E740481C1C}">
-                <a14:useLocalDpi xmlns:a14="http://schemas.microsoft.com/office/drawing/2010/main" val="0"/>
-              </a:ext>
-              <a:ext uri="{96DAC541-7B7A-43D3-8B79-37D633B846F1}">
-                <asvg:svgBlip xmlns:asvg="http://schemas.microsoft.com/office/drawing/2016/SVG/main" r:embed="rId3"/>
-              </a:ext>
-            </a:extLst>
-          </a:blip>
-          <a:stretch>
-            <a:fillRect/>
-          </a:stretch>
-        </p:blipFill>
-        <p:spPr>
-          <a:xfrm>
-            <a:off x="9413987" y="2857501"/>
-            <a:ext cx="1142998" cy="1142998"/>
-          </a:xfrm>
-          <a:prstGeom prst="rect">
-            <a:avLst/>
-          </a:prstGeom>
-        </p:spPr>
-      </p:pic>
-      <p:pic>
-        <p:nvPicPr>
-          <p:cNvPr id="14" name="Picture 2" descr="The Normal Distribution in R">
-            <a:extLst>
-              <a:ext uri="{FF2B5EF4-FFF2-40B4-BE49-F238E27FC236}">
-                <a16:creationId xmlns:a16="http://schemas.microsoft.com/office/drawing/2014/main" id="{A3BA21CD-43E2-4CAE-B1AA-F3253FE466A3}"/>
-              </a:ext>
-            </a:extLst>
-          </p:cNvPr>
-          <p:cNvPicPr>
-            <a:picLocks noChangeAspect="1" noChangeArrowheads="1"/>
-          </p:cNvPicPr>
-          <p:nvPr/>
-        </p:nvPicPr>
-        <p:blipFill>
-          <a:blip r:embed="rId4">
-            <a:extLst>
-              <a:ext uri="{BEBA8EAE-BF5A-486C-A8C5-ECC9F3942E4B}">
-                <a14:imgProps xmlns:a14="http://schemas.microsoft.com/office/drawing/2010/main">
-                  <a14:imgLayer r:embed="rId5">
-                    <a14:imgEffect>
-                      <a14:sharpenSoften amount="100000"/>
-                    </a14:imgEffect>
-                    <a14:imgEffect>
-                      <a14:brightnessContrast bright="15000" contrast="100000"/>
-                    </a14:imgEffect>
-                  </a14:imgLayer>
-                </a14:imgProps>
-              </a:ext>
-              <a:ext uri="{28A0092B-C50C-407E-A947-70E740481C1C}">
-                <a14:useLocalDpi xmlns:a14="http://schemas.microsoft.com/office/drawing/2010/main" val="0"/>
-              </a:ext>
-            </a:extLst>
-          </a:blip>
-          <a:srcRect/>
-          <a:stretch>
-            <a:fillRect/>
-          </a:stretch>
-        </p:blipFill>
-        <p:spPr bwMode="auto">
-          <a:xfrm>
-            <a:off x="2682140" y="4303985"/>
-            <a:ext cx="4254687" cy="2435343"/>
-          </a:xfrm>
-          <a:prstGeom prst="rect">
-            <a:avLst/>
-          </a:prstGeom>
-          <a:noFill/>
-          <a:extLst>
-            <a:ext uri="{909E8E84-426E-40DD-AFC4-6F175D3DCCD1}">
-              <a14:hiddenFill xmlns:a14="http://schemas.microsoft.com/office/drawing/2010/main">
-                <a:solidFill>
-                  <a:srgbClr val="FFFFFF"/>
-                </a:solidFill>
-              </a14:hiddenFill>
-            </a:ext>
-          </a:extLst>
-        </p:spPr>
-      </p:pic>
-    </p:spTree>
-    <p:extLst>
-      <p:ext uri="{BB962C8B-B14F-4D97-AF65-F5344CB8AC3E}">
-        <p14:creationId xmlns:p14="http://schemas.microsoft.com/office/powerpoint/2010/main" val="963763041"/>
-      </p:ext>
-    </p:extLst>
-  </p:cSld>
-  <p:clrMapOvr>
-    <a:masterClrMapping/>
-  </p:clrMapOvr>
-</p:sld>
-</file>
-
-<file path=ppt/slides/slide23.xml><?xml version="1.0" encoding="utf-8"?>
-<p:sld xmlns:a="http://schemas.openxmlformats.org/drawingml/2006/main" xmlns:r="http://schemas.openxmlformats.org/officeDocument/2006/relationships" xmlns:p="http://schemas.openxmlformats.org/presentationml/2006/main">
-  <p:cSld>
-    <p:spTree>
-      <p:nvGrpSpPr>
-        <p:cNvPr id="1" name=""/>
-        <p:cNvGrpSpPr/>
-        <p:nvPr/>
-      </p:nvGrpSpPr>
-      <p:grpSpPr>
-        <a:xfrm>
-          <a:off x="0" y="0"/>
-          <a:ext cx="0" cy="0"/>
-          <a:chOff x="0" y="0"/>
-          <a:chExt cx="0" cy="0"/>
-        </a:xfrm>
-      </p:grpSpPr>
-      <p:pic>
-        <p:nvPicPr>
-          <p:cNvPr id="4" name="Picture 3" descr="A picture containing table, clock&#10;&#10;Description automatically generated">
-            <a:extLst>
-              <a:ext uri="{FF2B5EF4-FFF2-40B4-BE49-F238E27FC236}">
-                <a16:creationId xmlns:a16="http://schemas.microsoft.com/office/drawing/2014/main" id="{A4877B16-9BD1-46E0-8B5C-FE47F7E7E38A}"/>
-              </a:ext>
-            </a:extLst>
-          </p:cNvPr>
-          <p:cNvPicPr>
-            <a:picLocks noChangeAspect="1"/>
-          </p:cNvPicPr>
-          <p:nvPr/>
-        </p:nvPicPr>
-        <p:blipFill rotWithShape="1">
-          <a:blip r:embed="rId2"/>
-          <a:srcRect t="8659" b="65604"/>
-          <a:stretch/>
-        </p:blipFill>
-        <p:spPr>
-          <a:xfrm>
-            <a:off x="200272" y="3007895"/>
-            <a:ext cx="3840743" cy="1976984"/>
-          </a:xfrm>
-          <a:prstGeom prst="rect">
-            <a:avLst/>
-          </a:prstGeom>
-        </p:spPr>
-      </p:pic>
-      <p:pic>
-        <p:nvPicPr>
-          <p:cNvPr id="5" name="Picture 4" descr="A picture containing table, clock&#10;&#10;Description automatically generated">
-            <a:extLst>
-              <a:ext uri="{FF2B5EF4-FFF2-40B4-BE49-F238E27FC236}">
-                <a16:creationId xmlns:a16="http://schemas.microsoft.com/office/drawing/2014/main" id="{D7C2484D-D2C9-46EE-AE3E-3743321FAEF6}"/>
-              </a:ext>
-            </a:extLst>
-          </p:cNvPr>
-          <p:cNvPicPr>
-            <a:picLocks noChangeAspect="1"/>
-          </p:cNvPicPr>
-          <p:nvPr/>
-        </p:nvPicPr>
-        <p:blipFill rotWithShape="1">
-          <a:blip r:embed="rId2"/>
-          <a:srcRect t="35499" b="38764"/>
-          <a:stretch/>
-        </p:blipFill>
-        <p:spPr>
-          <a:xfrm>
-            <a:off x="4275190" y="3007991"/>
-            <a:ext cx="3842082" cy="1977673"/>
-          </a:xfrm>
-          <a:prstGeom prst="rect">
-            <a:avLst/>
-          </a:prstGeom>
-        </p:spPr>
-      </p:pic>
-      <p:pic>
-        <p:nvPicPr>
-          <p:cNvPr id="6" name="Picture 5" descr="A picture containing table, clock&#10;&#10;Description automatically generated">
-            <a:extLst>
-              <a:ext uri="{FF2B5EF4-FFF2-40B4-BE49-F238E27FC236}">
-                <a16:creationId xmlns:a16="http://schemas.microsoft.com/office/drawing/2014/main" id="{CA8FDE42-00A7-49DD-9335-2E1072091CFC}"/>
-              </a:ext>
-            </a:extLst>
-          </p:cNvPr>
-          <p:cNvPicPr>
-            <a:picLocks noChangeAspect="1"/>
-          </p:cNvPicPr>
-          <p:nvPr/>
-        </p:nvPicPr>
-        <p:blipFill rotWithShape="1">
-          <a:blip r:embed="rId2"/>
-          <a:srcRect l="4036" t="61824" r="-4036" b="12439"/>
-          <a:stretch/>
-        </p:blipFill>
-        <p:spPr>
-          <a:xfrm>
-            <a:off x="8349916" y="2947526"/>
-            <a:ext cx="3842084" cy="1977673"/>
-          </a:xfrm>
-          <a:prstGeom prst="rect">
-            <a:avLst/>
-          </a:prstGeom>
-        </p:spPr>
-      </p:pic>
-      <p:sp>
-        <p:nvSpPr>
-          <p:cNvPr id="7" name="Rectangle 6">
-            <a:extLst>
-              <a:ext uri="{FF2B5EF4-FFF2-40B4-BE49-F238E27FC236}">
-                <a16:creationId xmlns:a16="http://schemas.microsoft.com/office/drawing/2014/main" id="{95A343A3-98E0-49FB-B3AA-2A036D6B7D15}"/>
-              </a:ext>
-            </a:extLst>
-          </p:cNvPr>
-          <p:cNvSpPr/>
-          <p:nvPr/>
-        </p:nvSpPr>
-        <p:spPr>
-          <a:xfrm>
-            <a:off x="1239252" y="1961245"/>
-            <a:ext cx="9910129" cy="1072518"/>
-          </a:xfrm>
-          <a:prstGeom prst="rect">
-            <a:avLst/>
-          </a:prstGeom>
-        </p:spPr>
-        <p:txBody>
-          <a:bodyPr vert="horz" lIns="91440" tIns="45720" rIns="91440" bIns="45720" rtlCol="0" anchor="ctr">
-            <a:normAutofit/>
-          </a:bodyPr>
-          <a:lstStyle/>
-          <a:p>
-            <a:pPr>
-              <a:lnSpc>
-                <a:spcPct val="90000"/>
-              </a:lnSpc>
-              <a:spcAft>
-                <a:spcPts val="600"/>
-              </a:spcAft>
-            </a:pPr>
-            <a:r>
-              <a:rPr lang="en-US" sz="2000" dirty="0"/>
-              <a:t>You can always fit your model with raw, normalized and standardized data then compare the performance to obtain the best outcome!</a:t>
-            </a:r>
-          </a:p>
-        </p:txBody>
-      </p:sp>
-      <p:sp>
-        <p:nvSpPr>
-          <p:cNvPr id="8" name="Title 1">
-            <a:extLst>
-              <a:ext uri="{FF2B5EF4-FFF2-40B4-BE49-F238E27FC236}">
-                <a16:creationId xmlns:a16="http://schemas.microsoft.com/office/drawing/2014/main" id="{9A9AC27C-A800-4798-90F5-C9EA007124B5}"/>
-              </a:ext>
-            </a:extLst>
-          </p:cNvPr>
-          <p:cNvSpPr txBox="1">
-            <a:spLocks/>
-          </p:cNvSpPr>
-          <p:nvPr/>
-        </p:nvSpPr>
-        <p:spPr>
-          <a:xfrm>
-            <a:off x="1136427" y="627564"/>
-            <a:ext cx="8488835" cy="1325563"/>
-          </a:xfrm>
-          <a:prstGeom prst="rect">
-            <a:avLst/>
-          </a:prstGeom>
-        </p:spPr>
-        <p:txBody>
-          <a:bodyPr vert="horz" lIns="91440" tIns="45720" rIns="91440" bIns="45720" rtlCol="0" anchor="ctr">
-            <a:normAutofit/>
-          </a:bodyPr>
-          <a:lstStyle>
-            <a:lvl1pPr algn="l" defTabSz="914400" rtl="0" eaLnBrk="1" latinLnBrk="0" hangingPunct="1">
-              <a:lnSpc>
-                <a:spcPct val="90000"/>
-              </a:lnSpc>
-              <a:spcBef>
-                <a:spcPct val="0"/>
-              </a:spcBef>
-              <a:buNone/>
-              <a:defRPr sz="4400" kern="1200">
-                <a:solidFill>
-                  <a:schemeClr val="tx1"/>
-                </a:solidFill>
-                <a:latin typeface="+mj-lt"/>
-                <a:ea typeface="+mj-ea"/>
-                <a:cs typeface="+mj-cs"/>
-              </a:defRPr>
-            </a:lvl1pPr>
-          </a:lstStyle>
-          <a:p>
-            <a:r>
-              <a:rPr lang="en-US" altLang="zh-CN" b="1"/>
-              <a:t>When to Normalize and Standardize?</a:t>
-            </a:r>
-            <a:endParaRPr lang="en-US" b="1" dirty="0"/>
-          </a:p>
-        </p:txBody>
-      </p:sp>
-    </p:spTree>
-    <p:extLst>
-      <p:ext uri="{BB962C8B-B14F-4D97-AF65-F5344CB8AC3E}">
-        <p14:creationId xmlns:p14="http://schemas.microsoft.com/office/powerpoint/2010/main" val="1152349816"/>
-      </p:ext>
-    </p:extLst>
-  </p:cSld>
-  <p:clrMapOvr>
-    <a:masterClrMapping/>
-  </p:clrMapOvr>
-</p:sld>
-</file>
-
-<file path=ppt/slides/slide24.xml><?xml version="1.0" encoding="utf-8"?>
-<p:sld xmlns:a="http://schemas.openxmlformats.org/drawingml/2006/main" xmlns:r="http://schemas.openxmlformats.org/officeDocument/2006/relationships" xmlns:p="http://schemas.openxmlformats.org/presentationml/2006/main">
-  <p:cSld>
-    <p:spTree>
-      <p:nvGrpSpPr>
-        <p:cNvPr id="1" name=""/>
-        <p:cNvGrpSpPr/>
-        <p:nvPr/>
-      </p:nvGrpSpPr>
-      <p:grpSpPr>
-        <a:xfrm>
-          <a:off x="0" y="0"/>
-          <a:ext cx="0" cy="0"/>
-          <a:chOff x="0" y="0"/>
-          <a:chExt cx="0" cy="0"/>
-        </a:xfrm>
-      </p:grpSpPr>
-      <p:sp>
-        <p:nvSpPr>
-          <p:cNvPr id="8" name="Title 1">
-            <a:extLst>
-              <a:ext uri="{FF2B5EF4-FFF2-40B4-BE49-F238E27FC236}">
-                <a16:creationId xmlns:a16="http://schemas.microsoft.com/office/drawing/2014/main" id="{C0E10118-DDAE-489E-9C51-C7A823181912}"/>
-              </a:ext>
-            </a:extLst>
-          </p:cNvPr>
-          <p:cNvSpPr>
-            <a:spLocks noGrp="1"/>
-          </p:cNvSpPr>
-          <p:nvPr>
-            <p:ph type="title"/>
-          </p:nvPr>
-        </p:nvSpPr>
-        <p:spPr>
-          <a:xfrm>
-            <a:off x="648928" y="629266"/>
-            <a:ext cx="9154134" cy="1622321"/>
-          </a:xfrm>
-        </p:spPr>
-        <p:txBody>
-          <a:bodyPr vert="horz" lIns="91440" tIns="45720" rIns="91440" bIns="45720" rtlCol="0" anchor="ctr">
-            <a:normAutofit/>
-          </a:bodyPr>
-          <a:lstStyle/>
-          <a:p>
-            <a:r>
-              <a:rPr lang="en-US" altLang="zh-CN" sz="4000" b="1" kern="1200" dirty="0">
-                <a:solidFill>
-                  <a:schemeClr val="tx1"/>
-                </a:solidFill>
-                <a:latin typeface="+mj-lt"/>
-                <a:ea typeface="+mj-ea"/>
-                <a:cs typeface="+mj-cs"/>
-              </a:rPr>
-              <a:t>Metrices for Model Evaluation (Regression)</a:t>
-            </a:r>
-            <a:endParaRPr lang="en-US" sz="4000" b="1" kern="1200" dirty="0">
-              <a:solidFill>
-                <a:schemeClr val="tx1"/>
-              </a:solidFill>
-              <a:latin typeface="+mj-lt"/>
-              <a:ea typeface="+mj-ea"/>
-              <a:cs typeface="+mj-cs"/>
-            </a:endParaRPr>
-          </a:p>
-        </p:txBody>
-      </p:sp>
-      <p:pic>
-        <p:nvPicPr>
-          <p:cNvPr id="2050" name="Picture 2" descr="The Professionals Point: Loss Functions in Machine Learning (MAE ...">
-            <a:extLst>
-              <a:ext uri="{FF2B5EF4-FFF2-40B4-BE49-F238E27FC236}">
-                <a16:creationId xmlns:a16="http://schemas.microsoft.com/office/drawing/2014/main" id="{9C4DFA59-5B4C-4003-B40E-43D2920E0688}"/>
-              </a:ext>
-            </a:extLst>
-          </p:cNvPr>
-          <p:cNvPicPr>
-            <a:picLocks noChangeAspect="1" noChangeArrowheads="1"/>
-          </p:cNvPicPr>
-          <p:nvPr/>
-        </p:nvPicPr>
-        <p:blipFill>
-          <a:blip r:embed="rId3">
-            <a:extLst>
-              <a:ext uri="{28A0092B-C50C-407E-A947-70E740481C1C}">
-                <a14:useLocalDpi xmlns:a14="http://schemas.microsoft.com/office/drawing/2010/main" val="0"/>
-              </a:ext>
-            </a:extLst>
-          </a:blip>
-          <a:srcRect/>
-          <a:stretch>
-            <a:fillRect/>
-          </a:stretch>
-        </p:blipFill>
-        <p:spPr bwMode="auto">
-          <a:xfrm>
-            <a:off x="1518933" y="1845425"/>
-            <a:ext cx="9154134" cy="4020639"/>
-          </a:xfrm>
-          <a:prstGeom prst="rect">
-            <a:avLst/>
-          </a:prstGeom>
-          <a:noFill/>
-          <a:extLst>
-            <a:ext uri="{909E8E84-426E-40DD-AFC4-6F175D3DCCD1}">
-              <a14:hiddenFill xmlns:a14="http://schemas.microsoft.com/office/drawing/2010/main">
-                <a:solidFill>
-                  <a:srgbClr val="FFFFFF"/>
-                </a:solidFill>
-              </a14:hiddenFill>
-            </a:ext>
-          </a:extLst>
-        </p:spPr>
-      </p:pic>
-    </p:spTree>
-    <p:extLst>
-      <p:ext uri="{BB962C8B-B14F-4D97-AF65-F5344CB8AC3E}">
-        <p14:creationId xmlns:p14="http://schemas.microsoft.com/office/powerpoint/2010/main" val="777828533"/>
-      </p:ext>
-    </p:extLst>
-  </p:cSld>
-  <p:clrMapOvr>
-    <a:masterClrMapping/>
-  </p:clrMapOvr>
-</p:sld>
-</file>
-
-<file path=ppt/slides/slide25.xml><?xml version="1.0" encoding="utf-8"?>
-<p:sld xmlns:a="http://schemas.openxmlformats.org/drawingml/2006/main" xmlns:r="http://schemas.openxmlformats.org/officeDocument/2006/relationships" xmlns:p="http://schemas.openxmlformats.org/presentationml/2006/main">
-  <p:cSld>
-    <p:bg>
-      <p:bgPr>
-        <a:solidFill>
-          <a:schemeClr val="bg1"/>
-        </a:solidFill>
-        <a:effectLst/>
-      </p:bgPr>
-    </p:bg>
-    <p:spTree>
-      <p:nvGrpSpPr>
-        <p:cNvPr id="1" name=""/>
-        <p:cNvGrpSpPr/>
-        <p:nvPr/>
-      </p:nvGrpSpPr>
-      <p:grpSpPr>
-        <a:xfrm>
-          <a:off x="0" y="0"/>
-          <a:ext cx="0" cy="0"/>
-          <a:chOff x="0" y="0"/>
-          <a:chExt cx="0" cy="0"/>
-        </a:xfrm>
-      </p:grpSpPr>
       <p:sp useBgFill="1">
         <p:nvSpPr>
           <p:cNvPr id="9" name="Rectangle 8">
@@ -11965,17 +10855,14 @@
               </a:spcAft>
             </a:pPr>
             <a:r>
-              <a:rPr lang="en-US" altLang="zh-CN" sz="6000" b="1" kern="1200">
-                <a:solidFill>
-                  <a:schemeClr val="tx1"/>
-                </a:solidFill>
+              <a:rPr lang="en-US" sz="6000" b="1" dirty="0">
                 <a:latin typeface="+mj-lt"/>
                 <a:ea typeface="+mj-ea"/>
                 <a:cs typeface="+mj-cs"/>
               </a:rPr>
-              <a:t>Questions?</a:t>
+              <a:t>Hands on!</a:t>
             </a:r>
-            <a:endParaRPr lang="en-US" sz="6000" b="1" kern="1200">
+            <a:endParaRPr lang="en-US" sz="6000" b="1" kern="1200" dirty="0">
               <a:solidFill>
                 <a:schemeClr val="tx1"/>
               </a:solidFill>
@@ -12823,7 +11710,2100 @@
 </p:sld>
 </file>
 
+<file path=ppt/slides/slide22.xml><?xml version="1.0" encoding="utf-8"?>
+<p:sld xmlns:a="http://schemas.openxmlformats.org/drawingml/2006/main" xmlns:r="http://schemas.openxmlformats.org/officeDocument/2006/relationships" xmlns:p="http://schemas.openxmlformats.org/presentationml/2006/main">
+  <p:cSld>
+    <p:bg>
+      <p:bgPr>
+        <a:solidFill>
+          <a:schemeClr val="bg1"/>
+        </a:solidFill>
+        <a:effectLst/>
+      </p:bgPr>
+    </p:bg>
+    <p:spTree>
+      <p:nvGrpSpPr>
+        <p:cNvPr id="1" name=""/>
+        <p:cNvGrpSpPr/>
+        <p:nvPr/>
+      </p:nvGrpSpPr>
+      <p:grpSpPr>
+        <a:xfrm>
+          <a:off x="0" y="0"/>
+          <a:ext cx="0" cy="0"/>
+          <a:chOff x="0" y="0"/>
+          <a:chExt cx="0" cy="0"/>
+        </a:xfrm>
+      </p:grpSpPr>
+      <p:sp>
+        <p:nvSpPr>
+          <p:cNvPr id="2" name="Title 1">
+            <a:extLst>
+              <a:ext uri="{FF2B5EF4-FFF2-40B4-BE49-F238E27FC236}">
+                <a16:creationId xmlns:a16="http://schemas.microsoft.com/office/drawing/2014/main" id="{BA2C707A-4359-4378-9292-7CDDA0B4DEA2}"/>
+              </a:ext>
+            </a:extLst>
+          </p:cNvPr>
+          <p:cNvSpPr>
+            <a:spLocks noGrp="1"/>
+          </p:cNvSpPr>
+          <p:nvPr>
+            <p:ph type="title"/>
+          </p:nvPr>
+        </p:nvSpPr>
+        <p:spPr>
+          <a:xfrm>
+            <a:off x="1136427" y="627564"/>
+            <a:ext cx="8277559" cy="1325563"/>
+          </a:xfrm>
+        </p:spPr>
+        <p:txBody>
+          <a:bodyPr vert="horz" lIns="91440" tIns="45720" rIns="91440" bIns="45720" rtlCol="0" anchor="ctr">
+            <a:normAutofit/>
+          </a:bodyPr>
+          <a:lstStyle/>
+          <a:p>
+            <a:r>
+              <a:rPr lang="en-US" altLang="zh-CN" b="1" kern="1200" dirty="0">
+                <a:solidFill>
+                  <a:schemeClr val="tx1"/>
+                </a:solidFill>
+                <a:latin typeface="+mj-lt"/>
+                <a:ea typeface="+mj-ea"/>
+                <a:cs typeface="+mj-cs"/>
+              </a:rPr>
+              <a:t>Normalization and Standardization</a:t>
+            </a:r>
+            <a:endParaRPr lang="en-US" b="1" kern="1200" dirty="0">
+              <a:solidFill>
+                <a:schemeClr val="tx1"/>
+              </a:solidFill>
+              <a:latin typeface="+mj-lt"/>
+              <a:ea typeface="+mj-ea"/>
+              <a:cs typeface="+mj-cs"/>
+            </a:endParaRPr>
+          </a:p>
+        </p:txBody>
+      </p:sp>
+      <p:sp>
+        <p:nvSpPr>
+          <p:cNvPr id="12" name="TextBox 3">
+            <a:extLst>
+              <a:ext uri="{FF2B5EF4-FFF2-40B4-BE49-F238E27FC236}">
+                <a16:creationId xmlns:a16="http://schemas.microsoft.com/office/drawing/2014/main" id="{91E25908-9E9F-42AF-96EB-E8ACE6D1162B}"/>
+              </a:ext>
+            </a:extLst>
+          </p:cNvPr>
+          <p:cNvSpPr txBox="1"/>
+          <p:nvPr/>
+        </p:nvSpPr>
+        <p:spPr>
+          <a:xfrm>
+            <a:off x="1130405" y="2112669"/>
+            <a:ext cx="7887498" cy="3775659"/>
+          </a:xfrm>
+          <a:prstGeom prst="rect">
+            <a:avLst/>
+          </a:prstGeom>
+        </p:spPr>
+        <p:txBody>
+          <a:bodyPr vert="horz" lIns="91440" tIns="45720" rIns="91440" bIns="45720" numCol="1" rtlCol="0" anchor="ctr">
+            <a:normAutofit/>
+          </a:bodyPr>
+          <a:lstStyle/>
+          <a:p>
+            <a:pPr marL="57150" indent="-228600">
+              <a:lnSpc>
+                <a:spcPct val="90000"/>
+              </a:lnSpc>
+              <a:spcAft>
+                <a:spcPts val="600"/>
+              </a:spcAft>
+              <a:buFont typeface="Arial" panose="020B0604020202020204" pitchFamily="34" charset="0"/>
+              <a:buChar char="•"/>
+            </a:pPr>
+            <a:r>
+              <a:rPr lang="en-US" sz="2400" b="1" dirty="0"/>
+              <a:t>Normalization</a:t>
+            </a:r>
+          </a:p>
+          <a:p>
+            <a:pPr>
+              <a:lnSpc>
+                <a:spcPct val="90000"/>
+              </a:lnSpc>
+              <a:spcAft>
+                <a:spcPts val="600"/>
+              </a:spcAft>
+            </a:pPr>
+            <a:r>
+              <a:rPr lang="en-US" sz="2400" dirty="0"/>
+              <a:t>Scale the numeric values in between the range of 0 and 1.</a:t>
+            </a:r>
+          </a:p>
+          <a:p>
+            <a:pPr>
+              <a:lnSpc>
+                <a:spcPct val="90000"/>
+              </a:lnSpc>
+              <a:spcAft>
+                <a:spcPts val="600"/>
+              </a:spcAft>
+            </a:pPr>
+            <a:endParaRPr lang="en-US" sz="2400" dirty="0"/>
+          </a:p>
+          <a:p>
+            <a:pPr>
+              <a:lnSpc>
+                <a:spcPct val="90000"/>
+              </a:lnSpc>
+              <a:spcAft>
+                <a:spcPts val="600"/>
+              </a:spcAft>
+            </a:pPr>
+            <a:endParaRPr lang="en-US" sz="2400" dirty="0"/>
+          </a:p>
+          <a:p>
+            <a:pPr>
+              <a:lnSpc>
+                <a:spcPct val="90000"/>
+              </a:lnSpc>
+              <a:spcAft>
+                <a:spcPts val="600"/>
+              </a:spcAft>
+            </a:pPr>
+            <a:endParaRPr lang="en-US" sz="2400" dirty="0"/>
+          </a:p>
+          <a:p>
+            <a:pPr marL="57150" indent="-228600">
+              <a:lnSpc>
+                <a:spcPct val="90000"/>
+              </a:lnSpc>
+              <a:spcAft>
+                <a:spcPts val="600"/>
+              </a:spcAft>
+              <a:buFont typeface="Arial" panose="020B0604020202020204" pitchFamily="34" charset="0"/>
+              <a:buChar char="•"/>
+            </a:pPr>
+            <a:endParaRPr lang="en-US" sz="2400" dirty="0"/>
+          </a:p>
+          <a:p>
+            <a:pPr marL="57150" indent="-228600">
+              <a:lnSpc>
+                <a:spcPct val="90000"/>
+              </a:lnSpc>
+              <a:spcAft>
+                <a:spcPts val="600"/>
+              </a:spcAft>
+              <a:buFont typeface="Arial" panose="020B0604020202020204" pitchFamily="34" charset="0"/>
+              <a:buChar char="•"/>
+            </a:pPr>
+            <a:r>
+              <a:rPr lang="en-US" sz="2400" b="1" dirty="0"/>
+              <a:t>Standardization</a:t>
+            </a:r>
+          </a:p>
+          <a:p>
+            <a:pPr>
+              <a:lnSpc>
+                <a:spcPct val="90000"/>
+              </a:lnSpc>
+              <a:spcAft>
+                <a:spcPts val="600"/>
+              </a:spcAft>
+            </a:pPr>
+            <a:r>
+              <a:rPr lang="en-US" sz="2400" dirty="0"/>
+              <a:t>Scale the numeric values such that it have a mean of 0 and variance of 1.</a:t>
+            </a:r>
+          </a:p>
+          <a:p>
+            <a:pPr marL="57150" indent="-228600">
+              <a:lnSpc>
+                <a:spcPct val="90000"/>
+              </a:lnSpc>
+              <a:spcAft>
+                <a:spcPts val="600"/>
+              </a:spcAft>
+              <a:buFont typeface="Arial" panose="020B0604020202020204" pitchFamily="34" charset="0"/>
+              <a:buChar char="•"/>
+            </a:pPr>
+            <a:endParaRPr lang="en-US" sz="2400" dirty="0"/>
+          </a:p>
+        </p:txBody>
+      </p:sp>
+      <p:pic>
+        <p:nvPicPr>
+          <p:cNvPr id="8" name="Graphic 7" descr="Calculator">
+            <a:extLst>
+              <a:ext uri="{FF2B5EF4-FFF2-40B4-BE49-F238E27FC236}">
+                <a16:creationId xmlns:a16="http://schemas.microsoft.com/office/drawing/2014/main" id="{E9733128-BC06-441F-9569-5B169171202D}"/>
+              </a:ext>
+            </a:extLst>
+          </p:cNvPr>
+          <p:cNvPicPr>
+            <a:picLocks noChangeAspect="1"/>
+          </p:cNvPicPr>
+          <p:nvPr/>
+        </p:nvPicPr>
+        <p:blipFill>
+          <a:blip r:embed="rId2">
+            <a:extLst>
+              <a:ext uri="{28A0092B-C50C-407E-A947-70E740481C1C}">
+                <a14:useLocalDpi xmlns:a14="http://schemas.microsoft.com/office/drawing/2010/main" val="0"/>
+              </a:ext>
+              <a:ext uri="{96DAC541-7B7A-43D3-8B79-37D633B846F1}">
+                <asvg:svgBlip xmlns:asvg="http://schemas.microsoft.com/office/drawing/2016/SVG/main" r:embed="rId3"/>
+              </a:ext>
+            </a:extLst>
+          </a:blip>
+          <a:stretch>
+            <a:fillRect/>
+          </a:stretch>
+        </p:blipFill>
+        <p:spPr>
+          <a:xfrm>
+            <a:off x="9413987" y="2857501"/>
+            <a:ext cx="1142998" cy="1142998"/>
+          </a:xfrm>
+          <a:prstGeom prst="rect">
+            <a:avLst/>
+          </a:prstGeom>
+        </p:spPr>
+      </p:pic>
+      <p:pic>
+        <p:nvPicPr>
+          <p:cNvPr id="4100" name="Picture 4" descr="Standardization equation">
+            <a:extLst>
+              <a:ext uri="{FF2B5EF4-FFF2-40B4-BE49-F238E27FC236}">
+                <a16:creationId xmlns:a16="http://schemas.microsoft.com/office/drawing/2014/main" id="{F315B27C-A68B-4069-8296-6213B6E152A8}"/>
+              </a:ext>
+            </a:extLst>
+          </p:cNvPr>
+          <p:cNvPicPr>
+            <a:picLocks noChangeAspect="1" noChangeArrowheads="1"/>
+          </p:cNvPicPr>
+          <p:nvPr/>
+        </p:nvPicPr>
+        <p:blipFill>
+          <a:blip r:embed="rId4">
+            <a:extLst>
+              <a:ext uri="{28A0092B-C50C-407E-A947-70E740481C1C}">
+                <a14:useLocalDpi xmlns:a14="http://schemas.microsoft.com/office/drawing/2010/main" val="0"/>
+              </a:ext>
+            </a:extLst>
+          </a:blip>
+          <a:srcRect/>
+          <a:stretch>
+            <a:fillRect/>
+          </a:stretch>
+        </p:blipFill>
+        <p:spPr bwMode="auto">
+          <a:xfrm>
+            <a:off x="3873389" y="5535903"/>
+            <a:ext cx="2369756" cy="903928"/>
+          </a:xfrm>
+          <a:prstGeom prst="rect">
+            <a:avLst/>
+          </a:prstGeom>
+          <a:noFill/>
+          <a:extLst>
+            <a:ext uri="{909E8E84-426E-40DD-AFC4-6F175D3DCCD1}">
+              <a14:hiddenFill xmlns:a14="http://schemas.microsoft.com/office/drawing/2010/main">
+                <a:solidFill>
+                  <a:srgbClr val="FFFFFF"/>
+                </a:solidFill>
+              </a14:hiddenFill>
+            </a:ext>
+          </a:extLst>
+        </p:spPr>
+      </p:pic>
+      <p:pic>
+        <p:nvPicPr>
+          <p:cNvPr id="4102" name="Picture 6" descr="Normalization equation">
+            <a:extLst>
+              <a:ext uri="{FF2B5EF4-FFF2-40B4-BE49-F238E27FC236}">
+                <a16:creationId xmlns:a16="http://schemas.microsoft.com/office/drawing/2014/main" id="{8DF1F565-ABB5-4CE9-ADEE-291D806FFD80}"/>
+              </a:ext>
+            </a:extLst>
+          </p:cNvPr>
+          <p:cNvPicPr>
+            <a:picLocks noChangeAspect="1" noChangeArrowheads="1"/>
+          </p:cNvPicPr>
+          <p:nvPr/>
+        </p:nvPicPr>
+        <p:blipFill>
+          <a:blip r:embed="rId5">
+            <a:extLst>
+              <a:ext uri="{28A0092B-C50C-407E-A947-70E740481C1C}">
+                <a14:useLocalDpi xmlns:a14="http://schemas.microsoft.com/office/drawing/2010/main" val="0"/>
+              </a:ext>
+            </a:extLst>
+          </a:blip>
+          <a:srcRect/>
+          <a:stretch>
+            <a:fillRect/>
+          </a:stretch>
+        </p:blipFill>
+        <p:spPr bwMode="auto">
+          <a:xfrm>
+            <a:off x="3489763" y="3243263"/>
+            <a:ext cx="3476646" cy="903928"/>
+          </a:xfrm>
+          <a:prstGeom prst="rect">
+            <a:avLst/>
+          </a:prstGeom>
+          <a:noFill/>
+          <a:extLst>
+            <a:ext uri="{909E8E84-426E-40DD-AFC4-6F175D3DCCD1}">
+              <a14:hiddenFill xmlns:a14="http://schemas.microsoft.com/office/drawing/2010/main">
+                <a:solidFill>
+                  <a:srgbClr val="FFFFFF"/>
+                </a:solidFill>
+              </a14:hiddenFill>
+            </a:ext>
+          </a:extLst>
+        </p:spPr>
+      </p:pic>
+    </p:spTree>
+    <p:extLst>
+      <p:ext uri="{BB962C8B-B14F-4D97-AF65-F5344CB8AC3E}">
+        <p14:creationId xmlns:p14="http://schemas.microsoft.com/office/powerpoint/2010/main" val="2325774983"/>
+      </p:ext>
+    </p:extLst>
+  </p:cSld>
+  <p:clrMapOvr>
+    <a:masterClrMapping/>
+  </p:clrMapOvr>
+</p:sld>
+</file>
+
+<file path=ppt/slides/slide23.xml><?xml version="1.0" encoding="utf-8"?>
+<p:sld xmlns:a="http://schemas.openxmlformats.org/drawingml/2006/main" xmlns:r="http://schemas.openxmlformats.org/officeDocument/2006/relationships" xmlns:p="http://schemas.openxmlformats.org/presentationml/2006/main">
+  <p:cSld>
+    <p:bg>
+      <p:bgPr>
+        <a:solidFill>
+          <a:schemeClr val="bg1"/>
+        </a:solidFill>
+        <a:effectLst/>
+      </p:bgPr>
+    </p:bg>
+    <p:spTree>
+      <p:nvGrpSpPr>
+        <p:cNvPr id="1" name=""/>
+        <p:cNvGrpSpPr/>
+        <p:nvPr/>
+      </p:nvGrpSpPr>
+      <p:grpSpPr>
+        <a:xfrm>
+          <a:off x="0" y="0"/>
+          <a:ext cx="0" cy="0"/>
+          <a:chOff x="0" y="0"/>
+          <a:chExt cx="0" cy="0"/>
+        </a:xfrm>
+      </p:grpSpPr>
+      <p:sp>
+        <p:nvSpPr>
+          <p:cNvPr id="2" name="Title 1">
+            <a:extLst>
+              <a:ext uri="{FF2B5EF4-FFF2-40B4-BE49-F238E27FC236}">
+                <a16:creationId xmlns:a16="http://schemas.microsoft.com/office/drawing/2014/main" id="{BA2C707A-4359-4378-9292-7CDDA0B4DEA2}"/>
+              </a:ext>
+            </a:extLst>
+          </p:cNvPr>
+          <p:cNvSpPr>
+            <a:spLocks noGrp="1"/>
+          </p:cNvSpPr>
+          <p:nvPr>
+            <p:ph type="title"/>
+          </p:nvPr>
+        </p:nvSpPr>
+        <p:spPr>
+          <a:xfrm>
+            <a:off x="1136428" y="627564"/>
+            <a:ext cx="7474172" cy="1325563"/>
+          </a:xfrm>
+        </p:spPr>
+        <p:txBody>
+          <a:bodyPr vert="horz" lIns="91440" tIns="45720" rIns="91440" bIns="45720" rtlCol="0" anchor="ctr">
+            <a:normAutofit/>
+          </a:bodyPr>
+          <a:lstStyle/>
+          <a:p>
+            <a:r>
+              <a:rPr lang="en-US" altLang="zh-CN" b="1" kern="1200" dirty="0">
+                <a:solidFill>
+                  <a:schemeClr val="tx1"/>
+                </a:solidFill>
+                <a:latin typeface="+mj-lt"/>
+                <a:ea typeface="+mj-ea"/>
+                <a:cs typeface="+mj-cs"/>
+              </a:rPr>
+              <a:t>When to Normalize and Standardize?</a:t>
+            </a:r>
+            <a:endParaRPr lang="en-US" b="1" kern="1200" dirty="0">
+              <a:solidFill>
+                <a:schemeClr val="tx1"/>
+              </a:solidFill>
+              <a:latin typeface="+mj-lt"/>
+              <a:ea typeface="+mj-ea"/>
+              <a:cs typeface="+mj-cs"/>
+            </a:endParaRPr>
+          </a:p>
+        </p:txBody>
+      </p:sp>
+      <p:sp>
+        <p:nvSpPr>
+          <p:cNvPr id="12" name="TextBox 3">
+            <a:extLst>
+              <a:ext uri="{FF2B5EF4-FFF2-40B4-BE49-F238E27FC236}">
+                <a16:creationId xmlns:a16="http://schemas.microsoft.com/office/drawing/2014/main" id="{91E25908-9E9F-42AF-96EB-E8ACE6D1162B}"/>
+              </a:ext>
+            </a:extLst>
+          </p:cNvPr>
+          <p:cNvSpPr txBox="1"/>
+          <p:nvPr/>
+        </p:nvSpPr>
+        <p:spPr>
+          <a:xfrm>
+            <a:off x="1233322" y="1953127"/>
+            <a:ext cx="7280384" cy="2350859"/>
+          </a:xfrm>
+          <a:prstGeom prst="rect">
+            <a:avLst/>
+          </a:prstGeom>
+        </p:spPr>
+        <p:txBody>
+          <a:bodyPr vert="horz" lIns="91440" tIns="45720" rIns="91440" bIns="45720" numCol="1" rtlCol="0" anchor="ctr">
+            <a:normAutofit/>
+          </a:bodyPr>
+          <a:lstStyle/>
+          <a:p>
+            <a:pPr>
+              <a:lnSpc>
+                <a:spcPct val="90000"/>
+              </a:lnSpc>
+              <a:spcAft>
+                <a:spcPts val="600"/>
+              </a:spcAft>
+            </a:pPr>
+            <a:r>
+              <a:rPr lang="en-US" sz="2400" b="1" dirty="0"/>
+              <a:t>Generally (but not limited to):</a:t>
+            </a:r>
+            <a:endParaRPr lang="en-US" sz="2400" dirty="0"/>
+          </a:p>
+          <a:p>
+            <a:pPr marL="285750" indent="-228600">
+              <a:lnSpc>
+                <a:spcPct val="90000"/>
+              </a:lnSpc>
+              <a:spcAft>
+                <a:spcPts val="600"/>
+              </a:spcAft>
+              <a:buFont typeface="Arial" panose="020B0604020202020204" pitchFamily="34" charset="0"/>
+              <a:buChar char="•"/>
+            </a:pPr>
+            <a:r>
+              <a:rPr lang="en-US" sz="2400" dirty="0"/>
+              <a:t>Normalization is used when data is not Gaussian distributed. </a:t>
+            </a:r>
+          </a:p>
+          <a:p>
+            <a:pPr marL="285750" indent="-228600">
+              <a:lnSpc>
+                <a:spcPct val="90000"/>
+              </a:lnSpc>
+              <a:spcAft>
+                <a:spcPts val="600"/>
+              </a:spcAft>
+              <a:buFont typeface="Arial" panose="020B0604020202020204" pitchFamily="34" charset="0"/>
+              <a:buChar char="•"/>
+            </a:pPr>
+            <a:endParaRPr lang="en-US" sz="2400" dirty="0"/>
+          </a:p>
+          <a:p>
+            <a:pPr marL="285750" indent="-228600">
+              <a:lnSpc>
+                <a:spcPct val="90000"/>
+              </a:lnSpc>
+              <a:spcAft>
+                <a:spcPts val="600"/>
+              </a:spcAft>
+              <a:buFont typeface="Arial" panose="020B0604020202020204" pitchFamily="34" charset="0"/>
+              <a:buChar char="•"/>
+            </a:pPr>
+            <a:r>
+              <a:rPr lang="en-US" sz="2400" dirty="0"/>
+              <a:t>Standardization, on the other hand, is used when the data follows a Gaussian distribution.</a:t>
+            </a:r>
+          </a:p>
+        </p:txBody>
+      </p:sp>
+      <p:sp>
+        <p:nvSpPr>
+          <p:cNvPr id="19" name="Rectangle 18">
+            <a:extLst>
+              <a:ext uri="{FF2B5EF4-FFF2-40B4-BE49-F238E27FC236}">
+                <a16:creationId xmlns:a16="http://schemas.microsoft.com/office/drawing/2014/main" id="{59A309A7-1751-4ABE-A3C1-EEC40366AD89}"/>
+              </a:ext>
+              <a:ext uri="{C183D7F6-B498-43B3-948B-1728B52AA6E4}">
+                <adec:decorative xmlns:adec="http://schemas.microsoft.com/office/drawing/2017/decorative" val="1"/>
+              </a:ext>
+            </a:extLst>
+          </p:cNvPr>
+          <p:cNvSpPr>
+            <a:spLocks noGrp="1" noRot="1" noChangeAspect="1" noMove="1" noResize="1" noEditPoints="1" noAdjustHandles="1" noChangeArrowheads="1" noChangeShapeType="1" noTextEdit="1"/>
+          </p:cNvSpPr>
+          <p:nvPr>
+            <p:extLst>
+              <p:ext uri="{386F3935-93C4-4BCD-93E2-E3B085C9AB24}">
+                <p16:designElem xmlns:p16="http://schemas.microsoft.com/office/powerpoint/2015/main" val="1"/>
+              </p:ext>
+            </p:extLst>
+          </p:nvPr>
+        </p:nvSpPr>
+        <p:spPr>
+          <a:xfrm>
+            <a:off x="10088880" y="0"/>
+            <a:ext cx="2103120" cy="6858000"/>
+          </a:xfrm>
+          <a:prstGeom prst="rect">
+            <a:avLst/>
+          </a:prstGeom>
+          <a:solidFill>
+            <a:schemeClr val="accent1"/>
+          </a:solidFill>
+          <a:ln>
+            <a:noFill/>
+          </a:ln>
+        </p:spPr>
+        <p:style>
+          <a:lnRef idx="2">
+            <a:schemeClr val="accent1">
+              <a:shade val="50000"/>
+            </a:schemeClr>
+          </a:lnRef>
+          <a:fillRef idx="1">
+            <a:schemeClr val="accent1"/>
+          </a:fillRef>
+          <a:effectRef idx="0">
+            <a:schemeClr val="accent1"/>
+          </a:effectRef>
+          <a:fontRef idx="minor">
+            <a:schemeClr val="lt1"/>
+          </a:fontRef>
+        </p:style>
+        <p:txBody>
+          <a:bodyPr rtlCol="0" anchor="ctr"/>
+          <a:lstStyle/>
+          <a:p>
+            <a:pPr algn="ctr"/>
+            <a:endParaRPr lang="en-US"/>
+          </a:p>
+        </p:txBody>
+      </p:sp>
+      <p:sp>
+        <p:nvSpPr>
+          <p:cNvPr id="21" name="Oval 20">
+            <a:extLst>
+              <a:ext uri="{FF2B5EF4-FFF2-40B4-BE49-F238E27FC236}">
+                <a16:creationId xmlns:a16="http://schemas.microsoft.com/office/drawing/2014/main" id="{967D8EB6-EAE1-4F9C-B398-83321E287204}"/>
+              </a:ext>
+              <a:ext uri="{C183D7F6-B498-43B3-948B-1728B52AA6E4}">
+                <adec:decorative xmlns:adec="http://schemas.microsoft.com/office/drawing/2017/decorative" val="1"/>
+              </a:ext>
+            </a:extLst>
+          </p:cNvPr>
+          <p:cNvSpPr>
+            <a:spLocks noGrp="1" noRot="1" noChangeAspect="1" noMove="1" noResize="1" noEditPoints="1" noAdjustHandles="1" noChangeArrowheads="1" noChangeShapeType="1" noTextEdit="1"/>
+          </p:cNvSpPr>
+          <p:nvPr>
+            <p:extLst>
+              <p:ext uri="{386F3935-93C4-4BCD-93E2-E3B085C9AB24}">
+                <p16:designElem xmlns:p16="http://schemas.microsoft.com/office/powerpoint/2015/main" val="1"/>
+              </p:ext>
+            </p:extLst>
+          </p:nvPr>
+        </p:nvSpPr>
+        <p:spPr>
+          <a:xfrm>
+            <a:off x="8915400" y="2358913"/>
+            <a:ext cx="2140172" cy="2140172"/>
+          </a:xfrm>
+          <a:prstGeom prst="ellipse">
+            <a:avLst/>
+          </a:prstGeom>
+          <a:solidFill>
+            <a:srgbClr val="FFFFFF"/>
+          </a:solidFill>
+          <a:ln w="22225">
+            <a:solidFill>
+              <a:schemeClr val="accent1"/>
+            </a:solidFill>
+          </a:ln>
+        </p:spPr>
+        <p:style>
+          <a:lnRef idx="2">
+            <a:schemeClr val="accent1">
+              <a:shade val="50000"/>
+            </a:schemeClr>
+          </a:lnRef>
+          <a:fillRef idx="1">
+            <a:schemeClr val="accent1"/>
+          </a:fillRef>
+          <a:effectRef idx="0">
+            <a:schemeClr val="accent1"/>
+          </a:effectRef>
+          <a:fontRef idx="minor">
+            <a:schemeClr val="lt1"/>
+          </a:fontRef>
+        </p:style>
+        <p:txBody>
+          <a:bodyPr rtlCol="0" anchor="ctr"/>
+          <a:lstStyle/>
+          <a:p>
+            <a:pPr algn="ctr"/>
+            <a:endParaRPr lang="en-US"/>
+          </a:p>
+        </p:txBody>
+      </p:sp>
+      <p:pic>
+        <p:nvPicPr>
+          <p:cNvPr id="16" name="Graphic 15" descr="Statistics">
+            <a:extLst>
+              <a:ext uri="{FF2B5EF4-FFF2-40B4-BE49-F238E27FC236}">
+                <a16:creationId xmlns:a16="http://schemas.microsoft.com/office/drawing/2014/main" id="{EC9622EE-8FED-4FC2-9C85-5CAAB8C8997E}"/>
+              </a:ext>
+            </a:extLst>
+          </p:cNvPr>
+          <p:cNvPicPr>
+            <a:picLocks noChangeAspect="1"/>
+          </p:cNvPicPr>
+          <p:nvPr/>
+        </p:nvPicPr>
+        <p:blipFill>
+          <a:blip r:embed="rId2">
+            <a:extLst>
+              <a:ext uri="{28A0092B-C50C-407E-A947-70E740481C1C}">
+                <a14:useLocalDpi xmlns:a14="http://schemas.microsoft.com/office/drawing/2010/main" val="0"/>
+              </a:ext>
+              <a:ext uri="{96DAC541-7B7A-43D3-8B79-37D633B846F1}">
+                <asvg:svgBlip xmlns:asvg="http://schemas.microsoft.com/office/drawing/2016/SVG/main" r:embed="rId3"/>
+              </a:ext>
+            </a:extLst>
+          </a:blip>
+          <a:stretch>
+            <a:fillRect/>
+          </a:stretch>
+        </p:blipFill>
+        <p:spPr>
+          <a:xfrm>
+            <a:off x="9413987" y="2857501"/>
+            <a:ext cx="1142998" cy="1142998"/>
+          </a:xfrm>
+          <a:prstGeom prst="rect">
+            <a:avLst/>
+          </a:prstGeom>
+        </p:spPr>
+      </p:pic>
+      <p:pic>
+        <p:nvPicPr>
+          <p:cNvPr id="14" name="Picture 2" descr="The Normal Distribution in R">
+            <a:extLst>
+              <a:ext uri="{FF2B5EF4-FFF2-40B4-BE49-F238E27FC236}">
+                <a16:creationId xmlns:a16="http://schemas.microsoft.com/office/drawing/2014/main" id="{A3BA21CD-43E2-4CAE-B1AA-F3253FE466A3}"/>
+              </a:ext>
+            </a:extLst>
+          </p:cNvPr>
+          <p:cNvPicPr>
+            <a:picLocks noChangeAspect="1" noChangeArrowheads="1"/>
+          </p:cNvPicPr>
+          <p:nvPr/>
+        </p:nvPicPr>
+        <p:blipFill>
+          <a:blip r:embed="rId4">
+            <a:extLst>
+              <a:ext uri="{BEBA8EAE-BF5A-486C-A8C5-ECC9F3942E4B}">
+                <a14:imgProps xmlns:a14="http://schemas.microsoft.com/office/drawing/2010/main">
+                  <a14:imgLayer r:embed="rId5">
+                    <a14:imgEffect>
+                      <a14:sharpenSoften amount="100000"/>
+                    </a14:imgEffect>
+                    <a14:imgEffect>
+                      <a14:brightnessContrast bright="15000" contrast="100000"/>
+                    </a14:imgEffect>
+                  </a14:imgLayer>
+                </a14:imgProps>
+              </a:ext>
+              <a:ext uri="{28A0092B-C50C-407E-A947-70E740481C1C}">
+                <a14:useLocalDpi xmlns:a14="http://schemas.microsoft.com/office/drawing/2010/main" val="0"/>
+              </a:ext>
+            </a:extLst>
+          </a:blip>
+          <a:srcRect/>
+          <a:stretch>
+            <a:fillRect/>
+          </a:stretch>
+        </p:blipFill>
+        <p:spPr bwMode="auto">
+          <a:xfrm>
+            <a:off x="2682140" y="4303985"/>
+            <a:ext cx="4254687" cy="2435343"/>
+          </a:xfrm>
+          <a:prstGeom prst="rect">
+            <a:avLst/>
+          </a:prstGeom>
+          <a:noFill/>
+          <a:extLst>
+            <a:ext uri="{909E8E84-426E-40DD-AFC4-6F175D3DCCD1}">
+              <a14:hiddenFill xmlns:a14="http://schemas.microsoft.com/office/drawing/2010/main">
+                <a:solidFill>
+                  <a:srgbClr val="FFFFFF"/>
+                </a:solidFill>
+              </a14:hiddenFill>
+            </a:ext>
+          </a:extLst>
+        </p:spPr>
+      </p:pic>
+    </p:spTree>
+    <p:extLst>
+      <p:ext uri="{BB962C8B-B14F-4D97-AF65-F5344CB8AC3E}">
+        <p14:creationId xmlns:p14="http://schemas.microsoft.com/office/powerpoint/2010/main" val="963763041"/>
+      </p:ext>
+    </p:extLst>
+  </p:cSld>
+  <p:clrMapOvr>
+    <a:masterClrMapping/>
+  </p:clrMapOvr>
+</p:sld>
+</file>
+
+<file path=ppt/slides/slide24.xml><?xml version="1.0" encoding="utf-8"?>
+<p:sld xmlns:a="http://schemas.openxmlformats.org/drawingml/2006/main" xmlns:r="http://schemas.openxmlformats.org/officeDocument/2006/relationships" xmlns:p="http://schemas.openxmlformats.org/presentationml/2006/main">
+  <p:cSld>
+    <p:spTree>
+      <p:nvGrpSpPr>
+        <p:cNvPr id="1" name=""/>
+        <p:cNvGrpSpPr/>
+        <p:nvPr/>
+      </p:nvGrpSpPr>
+      <p:grpSpPr>
+        <a:xfrm>
+          <a:off x="0" y="0"/>
+          <a:ext cx="0" cy="0"/>
+          <a:chOff x="0" y="0"/>
+          <a:chExt cx="0" cy="0"/>
+        </a:xfrm>
+      </p:grpSpPr>
+      <p:pic>
+        <p:nvPicPr>
+          <p:cNvPr id="4" name="Picture 3" descr="A picture containing table, clock&#10;&#10;Description automatically generated">
+            <a:extLst>
+              <a:ext uri="{FF2B5EF4-FFF2-40B4-BE49-F238E27FC236}">
+                <a16:creationId xmlns:a16="http://schemas.microsoft.com/office/drawing/2014/main" id="{A4877B16-9BD1-46E0-8B5C-FE47F7E7E38A}"/>
+              </a:ext>
+            </a:extLst>
+          </p:cNvPr>
+          <p:cNvPicPr>
+            <a:picLocks noChangeAspect="1"/>
+          </p:cNvPicPr>
+          <p:nvPr/>
+        </p:nvPicPr>
+        <p:blipFill rotWithShape="1">
+          <a:blip r:embed="rId2"/>
+          <a:srcRect t="8659" b="65604"/>
+          <a:stretch/>
+        </p:blipFill>
+        <p:spPr>
+          <a:xfrm>
+            <a:off x="200272" y="3007895"/>
+            <a:ext cx="3840743" cy="1976984"/>
+          </a:xfrm>
+          <a:prstGeom prst="rect">
+            <a:avLst/>
+          </a:prstGeom>
+        </p:spPr>
+      </p:pic>
+      <p:pic>
+        <p:nvPicPr>
+          <p:cNvPr id="5" name="Picture 4" descr="A picture containing table, clock&#10;&#10;Description automatically generated">
+            <a:extLst>
+              <a:ext uri="{FF2B5EF4-FFF2-40B4-BE49-F238E27FC236}">
+                <a16:creationId xmlns:a16="http://schemas.microsoft.com/office/drawing/2014/main" id="{D7C2484D-D2C9-46EE-AE3E-3743321FAEF6}"/>
+              </a:ext>
+            </a:extLst>
+          </p:cNvPr>
+          <p:cNvPicPr>
+            <a:picLocks noChangeAspect="1"/>
+          </p:cNvPicPr>
+          <p:nvPr/>
+        </p:nvPicPr>
+        <p:blipFill rotWithShape="1">
+          <a:blip r:embed="rId2"/>
+          <a:srcRect t="35499" b="38764"/>
+          <a:stretch/>
+        </p:blipFill>
+        <p:spPr>
+          <a:xfrm>
+            <a:off x="4275190" y="3007991"/>
+            <a:ext cx="3842082" cy="1977673"/>
+          </a:xfrm>
+          <a:prstGeom prst="rect">
+            <a:avLst/>
+          </a:prstGeom>
+        </p:spPr>
+      </p:pic>
+      <p:pic>
+        <p:nvPicPr>
+          <p:cNvPr id="6" name="Picture 5" descr="A picture containing table, clock&#10;&#10;Description automatically generated">
+            <a:extLst>
+              <a:ext uri="{FF2B5EF4-FFF2-40B4-BE49-F238E27FC236}">
+                <a16:creationId xmlns:a16="http://schemas.microsoft.com/office/drawing/2014/main" id="{CA8FDE42-00A7-49DD-9335-2E1072091CFC}"/>
+              </a:ext>
+            </a:extLst>
+          </p:cNvPr>
+          <p:cNvPicPr>
+            <a:picLocks noChangeAspect="1"/>
+          </p:cNvPicPr>
+          <p:nvPr/>
+        </p:nvPicPr>
+        <p:blipFill rotWithShape="1">
+          <a:blip r:embed="rId2"/>
+          <a:srcRect l="4036" t="61824" r="-4036" b="12439"/>
+          <a:stretch/>
+        </p:blipFill>
+        <p:spPr>
+          <a:xfrm>
+            <a:off x="8349916" y="2947526"/>
+            <a:ext cx="3842084" cy="1977673"/>
+          </a:xfrm>
+          <a:prstGeom prst="rect">
+            <a:avLst/>
+          </a:prstGeom>
+        </p:spPr>
+      </p:pic>
+      <p:sp>
+        <p:nvSpPr>
+          <p:cNvPr id="7" name="Rectangle 6">
+            <a:extLst>
+              <a:ext uri="{FF2B5EF4-FFF2-40B4-BE49-F238E27FC236}">
+                <a16:creationId xmlns:a16="http://schemas.microsoft.com/office/drawing/2014/main" id="{95A343A3-98E0-49FB-B3AA-2A036D6B7D15}"/>
+              </a:ext>
+            </a:extLst>
+          </p:cNvPr>
+          <p:cNvSpPr/>
+          <p:nvPr/>
+        </p:nvSpPr>
+        <p:spPr>
+          <a:xfrm>
+            <a:off x="1239252" y="1961245"/>
+            <a:ext cx="9910129" cy="1072518"/>
+          </a:xfrm>
+          <a:prstGeom prst="rect">
+            <a:avLst/>
+          </a:prstGeom>
+        </p:spPr>
+        <p:txBody>
+          <a:bodyPr vert="horz" lIns="91440" tIns="45720" rIns="91440" bIns="45720" rtlCol="0" anchor="ctr">
+            <a:normAutofit/>
+          </a:bodyPr>
+          <a:lstStyle/>
+          <a:p>
+            <a:pPr>
+              <a:lnSpc>
+                <a:spcPct val="90000"/>
+              </a:lnSpc>
+              <a:spcAft>
+                <a:spcPts val="600"/>
+              </a:spcAft>
+            </a:pPr>
+            <a:r>
+              <a:rPr lang="en-US" sz="2000" dirty="0"/>
+              <a:t>You can always fit your model with raw, normalized and standardized data then compare the performance to obtain the best outcome!</a:t>
+            </a:r>
+          </a:p>
+        </p:txBody>
+      </p:sp>
+      <p:sp>
+        <p:nvSpPr>
+          <p:cNvPr id="8" name="Title 1">
+            <a:extLst>
+              <a:ext uri="{FF2B5EF4-FFF2-40B4-BE49-F238E27FC236}">
+                <a16:creationId xmlns:a16="http://schemas.microsoft.com/office/drawing/2014/main" id="{9A9AC27C-A800-4798-90F5-C9EA007124B5}"/>
+              </a:ext>
+            </a:extLst>
+          </p:cNvPr>
+          <p:cNvSpPr txBox="1">
+            <a:spLocks/>
+          </p:cNvSpPr>
+          <p:nvPr/>
+        </p:nvSpPr>
+        <p:spPr>
+          <a:xfrm>
+            <a:off x="1136427" y="627564"/>
+            <a:ext cx="8488835" cy="1325563"/>
+          </a:xfrm>
+          <a:prstGeom prst="rect">
+            <a:avLst/>
+          </a:prstGeom>
+        </p:spPr>
+        <p:txBody>
+          <a:bodyPr vert="horz" lIns="91440" tIns="45720" rIns="91440" bIns="45720" rtlCol="0" anchor="ctr">
+            <a:normAutofit/>
+          </a:bodyPr>
+          <a:lstStyle>
+            <a:lvl1pPr algn="l" defTabSz="914400" rtl="0" eaLnBrk="1" latinLnBrk="0" hangingPunct="1">
+              <a:lnSpc>
+                <a:spcPct val="90000"/>
+              </a:lnSpc>
+              <a:spcBef>
+                <a:spcPct val="0"/>
+              </a:spcBef>
+              <a:buNone/>
+              <a:defRPr sz="4400" kern="1200">
+                <a:solidFill>
+                  <a:schemeClr val="tx1"/>
+                </a:solidFill>
+                <a:latin typeface="+mj-lt"/>
+                <a:ea typeface="+mj-ea"/>
+                <a:cs typeface="+mj-cs"/>
+              </a:defRPr>
+            </a:lvl1pPr>
+          </a:lstStyle>
+          <a:p>
+            <a:r>
+              <a:rPr lang="en-US" altLang="zh-CN" b="1"/>
+              <a:t>When to Normalize and Standardize?</a:t>
+            </a:r>
+            <a:endParaRPr lang="en-US" b="1" dirty="0"/>
+          </a:p>
+        </p:txBody>
+      </p:sp>
+    </p:spTree>
+    <p:extLst>
+      <p:ext uri="{BB962C8B-B14F-4D97-AF65-F5344CB8AC3E}">
+        <p14:creationId xmlns:p14="http://schemas.microsoft.com/office/powerpoint/2010/main" val="1152349816"/>
+      </p:ext>
+    </p:extLst>
+  </p:cSld>
+  <p:clrMapOvr>
+    <a:masterClrMapping/>
+  </p:clrMapOvr>
+</p:sld>
+</file>
+
+<file path=ppt/slides/slide25.xml><?xml version="1.0" encoding="utf-8"?>
+<p:sld xmlns:a="http://schemas.openxmlformats.org/drawingml/2006/main" xmlns:r="http://schemas.openxmlformats.org/officeDocument/2006/relationships" xmlns:p="http://schemas.openxmlformats.org/presentationml/2006/main">
+  <p:cSld>
+    <p:spTree>
+      <p:nvGrpSpPr>
+        <p:cNvPr id="1" name=""/>
+        <p:cNvGrpSpPr/>
+        <p:nvPr/>
+      </p:nvGrpSpPr>
+      <p:grpSpPr>
+        <a:xfrm>
+          <a:off x="0" y="0"/>
+          <a:ext cx="0" cy="0"/>
+          <a:chOff x="0" y="0"/>
+          <a:chExt cx="0" cy="0"/>
+        </a:xfrm>
+      </p:grpSpPr>
+      <p:sp>
+        <p:nvSpPr>
+          <p:cNvPr id="8" name="Title 1">
+            <a:extLst>
+              <a:ext uri="{FF2B5EF4-FFF2-40B4-BE49-F238E27FC236}">
+                <a16:creationId xmlns:a16="http://schemas.microsoft.com/office/drawing/2014/main" id="{C0E10118-DDAE-489E-9C51-C7A823181912}"/>
+              </a:ext>
+            </a:extLst>
+          </p:cNvPr>
+          <p:cNvSpPr>
+            <a:spLocks noGrp="1"/>
+          </p:cNvSpPr>
+          <p:nvPr>
+            <p:ph type="title"/>
+          </p:nvPr>
+        </p:nvSpPr>
+        <p:spPr>
+          <a:xfrm>
+            <a:off x="648928" y="629266"/>
+            <a:ext cx="9154134" cy="1622321"/>
+          </a:xfrm>
+        </p:spPr>
+        <p:txBody>
+          <a:bodyPr vert="horz" lIns="91440" tIns="45720" rIns="91440" bIns="45720" rtlCol="0" anchor="ctr">
+            <a:normAutofit/>
+          </a:bodyPr>
+          <a:lstStyle/>
+          <a:p>
+            <a:r>
+              <a:rPr lang="en-US" altLang="zh-CN" sz="4000" b="1" kern="1200" dirty="0">
+                <a:solidFill>
+                  <a:schemeClr val="tx1"/>
+                </a:solidFill>
+                <a:latin typeface="+mj-lt"/>
+                <a:ea typeface="+mj-ea"/>
+                <a:cs typeface="+mj-cs"/>
+              </a:rPr>
+              <a:t>Metrices for Model Evaluation (Regression)</a:t>
+            </a:r>
+            <a:endParaRPr lang="en-US" sz="4000" b="1" kern="1200" dirty="0">
+              <a:solidFill>
+                <a:schemeClr val="tx1"/>
+              </a:solidFill>
+              <a:latin typeface="+mj-lt"/>
+              <a:ea typeface="+mj-ea"/>
+              <a:cs typeface="+mj-cs"/>
+            </a:endParaRPr>
+          </a:p>
+        </p:txBody>
+      </p:sp>
+      <p:pic>
+        <p:nvPicPr>
+          <p:cNvPr id="2050" name="Picture 2" descr="The Professionals Point: Loss Functions in Machine Learning (MAE ...">
+            <a:extLst>
+              <a:ext uri="{FF2B5EF4-FFF2-40B4-BE49-F238E27FC236}">
+                <a16:creationId xmlns:a16="http://schemas.microsoft.com/office/drawing/2014/main" id="{9C4DFA59-5B4C-4003-B40E-43D2920E0688}"/>
+              </a:ext>
+            </a:extLst>
+          </p:cNvPr>
+          <p:cNvPicPr>
+            <a:picLocks noChangeAspect="1" noChangeArrowheads="1"/>
+          </p:cNvPicPr>
+          <p:nvPr/>
+        </p:nvPicPr>
+        <p:blipFill>
+          <a:blip r:embed="rId3">
+            <a:extLst>
+              <a:ext uri="{28A0092B-C50C-407E-A947-70E740481C1C}">
+                <a14:useLocalDpi xmlns:a14="http://schemas.microsoft.com/office/drawing/2010/main" val="0"/>
+              </a:ext>
+            </a:extLst>
+          </a:blip>
+          <a:srcRect/>
+          <a:stretch>
+            <a:fillRect/>
+          </a:stretch>
+        </p:blipFill>
+        <p:spPr bwMode="auto">
+          <a:xfrm>
+            <a:off x="1518933" y="1845425"/>
+            <a:ext cx="9154134" cy="4020639"/>
+          </a:xfrm>
+          <a:prstGeom prst="rect">
+            <a:avLst/>
+          </a:prstGeom>
+          <a:noFill/>
+          <a:extLst>
+            <a:ext uri="{909E8E84-426E-40DD-AFC4-6F175D3DCCD1}">
+              <a14:hiddenFill xmlns:a14="http://schemas.microsoft.com/office/drawing/2010/main">
+                <a:solidFill>
+                  <a:srgbClr val="FFFFFF"/>
+                </a:solidFill>
+              </a14:hiddenFill>
+            </a:ext>
+          </a:extLst>
+        </p:spPr>
+      </p:pic>
+    </p:spTree>
+    <p:extLst>
+      <p:ext uri="{BB962C8B-B14F-4D97-AF65-F5344CB8AC3E}">
+        <p14:creationId xmlns:p14="http://schemas.microsoft.com/office/powerpoint/2010/main" val="777828533"/>
+      </p:ext>
+    </p:extLst>
+  </p:cSld>
+  <p:clrMapOvr>
+    <a:masterClrMapping/>
+  </p:clrMapOvr>
+</p:sld>
+</file>
+
 <file path=ppt/slides/slide26.xml><?xml version="1.0" encoding="utf-8"?>
+<p:sld xmlns:a="http://schemas.openxmlformats.org/drawingml/2006/main" xmlns:r="http://schemas.openxmlformats.org/officeDocument/2006/relationships" xmlns:p="http://schemas.openxmlformats.org/presentationml/2006/main">
+  <p:cSld>
+    <p:bg>
+      <p:bgPr>
+        <a:solidFill>
+          <a:schemeClr val="bg1"/>
+        </a:solidFill>
+        <a:effectLst/>
+      </p:bgPr>
+    </p:bg>
+    <p:spTree>
+      <p:nvGrpSpPr>
+        <p:cNvPr id="1" name=""/>
+        <p:cNvGrpSpPr/>
+        <p:nvPr/>
+      </p:nvGrpSpPr>
+      <p:grpSpPr>
+        <a:xfrm>
+          <a:off x="0" y="0"/>
+          <a:ext cx="0" cy="0"/>
+          <a:chOff x="0" y="0"/>
+          <a:chExt cx="0" cy="0"/>
+        </a:xfrm>
+      </p:grpSpPr>
+      <p:sp useBgFill="1">
+        <p:nvSpPr>
+          <p:cNvPr id="9" name="Rectangle 8">
+            <a:extLst>
+              <a:ext uri="{FF2B5EF4-FFF2-40B4-BE49-F238E27FC236}">
+                <a16:creationId xmlns:a16="http://schemas.microsoft.com/office/drawing/2014/main" id="{46F1F2C8-798B-4CCE-A851-94AFAF350BED}"/>
+              </a:ext>
+              <a:ext uri="{C183D7F6-B498-43B3-948B-1728B52AA6E4}">
+                <adec:decorative xmlns:adec="http://schemas.microsoft.com/office/drawing/2017/decorative" val="1"/>
+              </a:ext>
+            </a:extLst>
+          </p:cNvPr>
+          <p:cNvSpPr>
+            <a:spLocks noGrp="1" noRot="1" noChangeAspect="1" noMove="1" noResize="1" noEditPoints="1" noAdjustHandles="1" noChangeArrowheads="1" noChangeShapeType="1" noTextEdit="1"/>
+          </p:cNvSpPr>
+          <p:nvPr>
+            <p:extLst>
+              <p:ext uri="{386F3935-93C4-4BCD-93E2-E3B085C9AB24}">
+                <p16:designElem xmlns:p16="http://schemas.microsoft.com/office/powerpoint/2015/main" val="1"/>
+              </p:ext>
+            </p:extLst>
+          </p:nvPr>
+        </p:nvSpPr>
+        <p:spPr>
+          <a:xfrm>
+            <a:off x="3048" y="0"/>
+            <a:ext cx="12188952" cy="6858000"/>
+          </a:xfrm>
+          <a:prstGeom prst="rect">
+            <a:avLst/>
+          </a:prstGeom>
+          <a:ln>
+            <a:noFill/>
+          </a:ln>
+        </p:spPr>
+        <p:style>
+          <a:lnRef idx="2">
+            <a:schemeClr val="accent1">
+              <a:shade val="50000"/>
+            </a:schemeClr>
+          </a:lnRef>
+          <a:fillRef idx="1">
+            <a:schemeClr val="accent1"/>
+          </a:fillRef>
+          <a:effectRef idx="0">
+            <a:schemeClr val="accent1"/>
+          </a:effectRef>
+          <a:fontRef idx="minor">
+            <a:schemeClr val="lt1"/>
+          </a:fontRef>
+        </p:style>
+        <p:txBody>
+          <a:bodyPr rtlCol="0" anchor="ctr"/>
+          <a:lstStyle/>
+          <a:p>
+            <a:pPr algn="ctr"/>
+            <a:endParaRPr lang="en-US"/>
+          </a:p>
+        </p:txBody>
+      </p:sp>
+      <p:sp>
+        <p:nvSpPr>
+          <p:cNvPr id="4" name="TextBox 3">
+            <a:extLst>
+              <a:ext uri="{FF2B5EF4-FFF2-40B4-BE49-F238E27FC236}">
+                <a16:creationId xmlns:a16="http://schemas.microsoft.com/office/drawing/2014/main" id="{5D583FD5-9548-4FA6-BF21-3E31F584B7E8}"/>
+              </a:ext>
+            </a:extLst>
+          </p:cNvPr>
+          <p:cNvSpPr txBox="1"/>
+          <p:nvPr/>
+        </p:nvSpPr>
+        <p:spPr>
+          <a:xfrm>
+            <a:off x="970908" y="1220919"/>
+            <a:ext cx="5425781" cy="2387600"/>
+          </a:xfrm>
+          <a:prstGeom prst="rect">
+            <a:avLst/>
+          </a:prstGeom>
+        </p:spPr>
+        <p:txBody>
+          <a:bodyPr vert="horz" lIns="91440" tIns="45720" rIns="91440" bIns="45720" rtlCol="0" anchor="b">
+            <a:normAutofit/>
+          </a:bodyPr>
+          <a:lstStyle/>
+          <a:p>
+            <a:pPr>
+              <a:lnSpc>
+                <a:spcPct val="90000"/>
+              </a:lnSpc>
+              <a:spcBef>
+                <a:spcPct val="0"/>
+              </a:spcBef>
+              <a:spcAft>
+                <a:spcPts val="600"/>
+              </a:spcAft>
+            </a:pPr>
+            <a:r>
+              <a:rPr lang="en-US" altLang="zh-CN" sz="6000" b="1" kern="1200">
+                <a:solidFill>
+                  <a:schemeClr val="tx1"/>
+                </a:solidFill>
+                <a:latin typeface="+mj-lt"/>
+                <a:ea typeface="+mj-ea"/>
+                <a:cs typeface="+mj-cs"/>
+              </a:rPr>
+              <a:t>Questions?</a:t>
+            </a:r>
+            <a:endParaRPr lang="en-US" sz="6000" b="1" kern="1200">
+              <a:solidFill>
+                <a:schemeClr val="tx1"/>
+              </a:solidFill>
+              <a:latin typeface="+mj-lt"/>
+              <a:ea typeface="+mj-ea"/>
+              <a:cs typeface="+mj-cs"/>
+            </a:endParaRPr>
+          </a:p>
+        </p:txBody>
+      </p:sp>
+      <p:sp>
+        <p:nvSpPr>
+          <p:cNvPr id="11" name="Freeform: Shape 10">
+            <a:extLst>
+              <a:ext uri="{FF2B5EF4-FFF2-40B4-BE49-F238E27FC236}">
+                <a16:creationId xmlns:a16="http://schemas.microsoft.com/office/drawing/2014/main" id="{755E9CD0-04B0-4A3C-B291-AD913379C713}"/>
+              </a:ext>
+              <a:ext uri="{C183D7F6-B498-43B3-948B-1728B52AA6E4}">
+                <adec:decorative xmlns:adec="http://schemas.microsoft.com/office/drawing/2017/decorative" val="1"/>
+              </a:ext>
+            </a:extLst>
+          </p:cNvPr>
+          <p:cNvSpPr>
+            <a:spLocks noGrp="1" noRot="1" noChangeAspect="1" noMove="1" noResize="1" noEditPoints="1" noAdjustHandles="1" noChangeArrowheads="1" noChangeShapeType="1" noTextEdit="1"/>
+          </p:cNvSpPr>
+          <p:nvPr>
+            <p:extLst>
+              <p:ext uri="{386F3935-93C4-4BCD-93E2-E3B085C9AB24}">
+                <p16:designElem xmlns:p16="http://schemas.microsoft.com/office/powerpoint/2015/main" val="1"/>
+              </p:ext>
+            </p:extLst>
+          </p:nvPr>
+        </p:nvSpPr>
+        <p:spPr>
+          <a:xfrm>
+            <a:off x="10208695" y="1"/>
+            <a:ext cx="1135066" cy="477997"/>
+          </a:xfrm>
+          <a:custGeom>
+            <a:avLst/>
+            <a:gdLst>
+              <a:gd name="connsiteX0" fmla="*/ 0 w 1135066"/>
+              <a:gd name="connsiteY0" fmla="*/ 0 h 477997"/>
+              <a:gd name="connsiteX1" fmla="*/ 1135066 w 1135066"/>
+              <a:gd name="connsiteY1" fmla="*/ 0 h 477997"/>
+              <a:gd name="connsiteX2" fmla="*/ 1133370 w 1135066"/>
+              <a:gd name="connsiteY2" fmla="*/ 16827 h 477997"/>
+              <a:gd name="connsiteX3" fmla="*/ 567533 w 1135066"/>
+              <a:gd name="connsiteY3" fmla="*/ 477997 h 477997"/>
+              <a:gd name="connsiteX4" fmla="*/ 1696 w 1135066"/>
+              <a:gd name="connsiteY4" fmla="*/ 16827 h 477997"/>
+            </a:gdLst>
+            <a:ahLst/>
+            <a:cxnLst>
+              <a:cxn ang="0">
+                <a:pos x="connsiteX0" y="connsiteY0"/>
+              </a:cxn>
+              <a:cxn ang="0">
+                <a:pos x="connsiteX1" y="connsiteY1"/>
+              </a:cxn>
+              <a:cxn ang="0">
+                <a:pos x="connsiteX2" y="connsiteY2"/>
+              </a:cxn>
+              <a:cxn ang="0">
+                <a:pos x="connsiteX3" y="connsiteY3"/>
+              </a:cxn>
+              <a:cxn ang="0">
+                <a:pos x="connsiteX4" y="connsiteY4"/>
+              </a:cxn>
+            </a:cxnLst>
+            <a:rect l="l" t="t" r="r" b="b"/>
+            <a:pathLst>
+              <a:path w="1135066" h="477997">
+                <a:moveTo>
+                  <a:pt x="0" y="0"/>
+                </a:moveTo>
+                <a:lnTo>
+                  <a:pt x="1135066" y="0"/>
+                </a:lnTo>
+                <a:lnTo>
+                  <a:pt x="1133370" y="16827"/>
+                </a:lnTo>
+                <a:cubicBezTo>
+                  <a:pt x="1079514" y="280016"/>
+                  <a:pt x="846644" y="477997"/>
+                  <a:pt x="567533" y="477997"/>
+                </a:cubicBezTo>
+                <a:cubicBezTo>
+                  <a:pt x="288422" y="477997"/>
+                  <a:pt x="55552" y="280016"/>
+                  <a:pt x="1696" y="16827"/>
+                </a:cubicBezTo>
+                <a:close/>
+              </a:path>
+            </a:pathLst>
+          </a:custGeom>
+          <a:solidFill>
+            <a:schemeClr val="accent5"/>
+          </a:solidFill>
+          <a:ln>
+            <a:noFill/>
+          </a:ln>
+        </p:spPr>
+        <p:style>
+          <a:lnRef idx="2">
+            <a:schemeClr val="accent1">
+              <a:shade val="50000"/>
+            </a:schemeClr>
+          </a:lnRef>
+          <a:fillRef idx="1">
+            <a:schemeClr val="accent1"/>
+          </a:fillRef>
+          <a:effectRef idx="0">
+            <a:schemeClr val="accent1"/>
+          </a:effectRef>
+          <a:fontRef idx="minor">
+            <a:schemeClr val="lt1"/>
+          </a:fontRef>
+        </p:style>
+        <p:txBody>
+          <a:bodyPr wrap="square" rtlCol="0" anchor="ctr">
+            <a:noAutofit/>
+          </a:bodyPr>
+          <a:lstStyle/>
+          <a:p>
+            <a:pPr algn="ctr"/>
+            <a:endParaRPr lang="en-US"/>
+          </a:p>
+        </p:txBody>
+      </p:sp>
+      <p:sp>
+        <p:nvSpPr>
+          <p:cNvPr id="13" name="Oval 12">
+            <a:extLst>
+              <a:ext uri="{FF2B5EF4-FFF2-40B4-BE49-F238E27FC236}">
+                <a16:creationId xmlns:a16="http://schemas.microsoft.com/office/drawing/2014/main" id="{1DD8BF3B-6066-418C-8D1A-75C5E396FC04}"/>
+              </a:ext>
+              <a:ext uri="{C183D7F6-B498-43B3-948B-1728B52AA6E4}">
+                <adec:decorative xmlns:adec="http://schemas.microsoft.com/office/drawing/2017/decorative" val="1"/>
+              </a:ext>
+            </a:extLst>
+          </p:cNvPr>
+          <p:cNvSpPr>
+            <a:spLocks noGrp="1" noRot="1" noChangeAspect="1" noMove="1" noResize="1" noEditPoints="1" noAdjustHandles="1" noChangeArrowheads="1" noChangeShapeType="1" noTextEdit="1"/>
+          </p:cNvSpPr>
+          <p:nvPr>
+            <p:extLst>
+              <p:ext uri="{386F3935-93C4-4BCD-93E2-E3B085C9AB24}">
+                <p16:designElem xmlns:p16="http://schemas.microsoft.com/office/powerpoint/2015/main" val="1"/>
+              </p:ext>
+            </p:extLst>
+          </p:nvPr>
+        </p:nvSpPr>
+        <p:spPr>
+          <a:xfrm>
+            <a:off x="6821310" y="2624479"/>
+            <a:ext cx="812427" cy="812427"/>
+          </a:xfrm>
+          <a:prstGeom prst="ellipse">
+            <a:avLst/>
+          </a:prstGeom>
+          <a:noFill/>
+          <a:ln w="127000">
+            <a:solidFill>
+              <a:schemeClr val="accent5"/>
+            </a:solidFill>
+          </a:ln>
+        </p:spPr>
+        <p:style>
+          <a:lnRef idx="2">
+            <a:schemeClr val="accent1">
+              <a:shade val="50000"/>
+            </a:schemeClr>
+          </a:lnRef>
+          <a:fillRef idx="1">
+            <a:schemeClr val="accent1"/>
+          </a:fillRef>
+          <a:effectRef idx="0">
+            <a:schemeClr val="accent1"/>
+          </a:effectRef>
+          <a:fontRef idx="minor">
+            <a:schemeClr val="lt1"/>
+          </a:fontRef>
+        </p:style>
+        <p:txBody>
+          <a:bodyPr rtlCol="0" anchor="ctr"/>
+          <a:lstStyle/>
+          <a:p>
+            <a:pPr algn="ctr"/>
+            <a:endParaRPr lang="en-US" dirty="0"/>
+          </a:p>
+        </p:txBody>
+      </p:sp>
+      <p:sp>
+        <p:nvSpPr>
+          <p:cNvPr id="15" name="Block Arc 14">
+            <a:extLst>
+              <a:ext uri="{FF2B5EF4-FFF2-40B4-BE49-F238E27FC236}">
+                <a16:creationId xmlns:a16="http://schemas.microsoft.com/office/drawing/2014/main" id="{80BC66F9-7A74-4286-AD22-1174052CC22C}"/>
+              </a:ext>
+              <a:ext uri="{C183D7F6-B498-43B3-948B-1728B52AA6E4}">
+                <adec:decorative xmlns:adec="http://schemas.microsoft.com/office/drawing/2017/decorative" val="1"/>
+              </a:ext>
+            </a:extLst>
+          </p:cNvPr>
+          <p:cNvSpPr>
+            <a:spLocks noGrp="1" noRot="1" noChangeAspect="1" noMove="1" noResize="1" noEditPoints="1" noAdjustHandles="1" noChangeArrowheads="1" noChangeShapeType="1" noTextEdit="1"/>
+          </p:cNvSpPr>
+          <p:nvPr>
+            <p:extLst>
+              <p:ext uri="{386F3935-93C4-4BCD-93E2-E3B085C9AB24}">
+                <p16:designElem xmlns:p16="http://schemas.microsoft.com/office/powerpoint/2015/main" val="1"/>
+              </p:ext>
+            </p:extLst>
+          </p:nvPr>
+        </p:nvSpPr>
+        <p:spPr>
+          <a:xfrm rot="16200000">
+            <a:off x="8912417" y="1202394"/>
+            <a:ext cx="2387600" cy="2387600"/>
+          </a:xfrm>
+          <a:prstGeom prst="blockArc">
+            <a:avLst/>
+          </a:prstGeom>
+          <a:solidFill>
+            <a:schemeClr val="accent2"/>
+          </a:solidFill>
+          <a:ln>
+            <a:noFill/>
+          </a:ln>
+        </p:spPr>
+        <p:style>
+          <a:lnRef idx="2">
+            <a:schemeClr val="accent1">
+              <a:shade val="50000"/>
+            </a:schemeClr>
+          </a:lnRef>
+          <a:fillRef idx="1">
+            <a:schemeClr val="accent1"/>
+          </a:fillRef>
+          <a:effectRef idx="0">
+            <a:schemeClr val="accent1"/>
+          </a:effectRef>
+          <a:fontRef idx="minor">
+            <a:schemeClr val="lt1"/>
+          </a:fontRef>
+        </p:style>
+        <p:txBody>
+          <a:bodyPr rtlCol="0" anchor="ctr"/>
+          <a:lstStyle/>
+          <a:p>
+            <a:pPr algn="ctr"/>
+            <a:endParaRPr lang="en-US">
+              <a:solidFill>
+                <a:schemeClr val="tx1"/>
+              </a:solidFill>
+            </a:endParaRPr>
+          </a:p>
+        </p:txBody>
+      </p:sp>
+      <p:sp>
+        <p:nvSpPr>
+          <p:cNvPr id="17" name="Freeform: Shape 16">
+            <a:extLst>
+              <a:ext uri="{FF2B5EF4-FFF2-40B4-BE49-F238E27FC236}">
+                <a16:creationId xmlns:a16="http://schemas.microsoft.com/office/drawing/2014/main" id="{D8142CC3-2B5C-48E6-9DF0-6C8ACBAF23EF}"/>
+              </a:ext>
+              <a:ext uri="{C183D7F6-B498-43B3-948B-1728B52AA6E4}">
+                <adec:decorative xmlns:adec="http://schemas.microsoft.com/office/drawing/2017/decorative" val="1"/>
+              </a:ext>
+            </a:extLst>
+          </p:cNvPr>
+          <p:cNvSpPr>
+            <a:spLocks noGrp="1" noRot="1" noChangeAspect="1" noMove="1" noResize="1" noEditPoints="1" noAdjustHandles="1" noChangeArrowheads="1" noChangeShapeType="1" noTextEdit="1"/>
+          </p:cNvSpPr>
+          <p:nvPr>
+            <p:extLst>
+              <p:ext uri="{386F3935-93C4-4BCD-93E2-E3B085C9AB24}">
+                <p16:designElem xmlns:p16="http://schemas.microsoft.com/office/powerpoint/2015/main" val="1"/>
+              </p:ext>
+            </p:extLst>
+          </p:nvPr>
+        </p:nvSpPr>
+        <p:spPr>
+          <a:xfrm>
+            <a:off x="6821310" y="0"/>
+            <a:ext cx="2315251" cy="1550992"/>
+          </a:xfrm>
+          <a:custGeom>
+            <a:avLst/>
+            <a:gdLst>
+              <a:gd name="connsiteX0" fmla="*/ 0 w 2315251"/>
+              <a:gd name="connsiteY0" fmla="*/ 0 h 1550992"/>
+              <a:gd name="connsiteX1" fmla="*/ 138700 w 2315251"/>
+              <a:gd name="connsiteY1" fmla="*/ 0 h 1550992"/>
+              <a:gd name="connsiteX2" fmla="*/ 138700 w 2315251"/>
+              <a:gd name="connsiteY2" fmla="*/ 1361400 h 1550992"/>
+              <a:gd name="connsiteX3" fmla="*/ 2107387 w 2315251"/>
+              <a:gd name="connsiteY3" fmla="*/ 222673 h 1550992"/>
+              <a:gd name="connsiteX4" fmla="*/ 1722420 w 2315251"/>
+              <a:gd name="connsiteY4" fmla="*/ 0 h 1550992"/>
+              <a:gd name="connsiteX5" fmla="*/ 1999436 w 2315251"/>
+              <a:gd name="connsiteY5" fmla="*/ 0 h 1550992"/>
+              <a:gd name="connsiteX6" fmla="*/ 2280549 w 2315251"/>
+              <a:gd name="connsiteY6" fmla="*/ 162605 h 1550992"/>
+              <a:gd name="connsiteX7" fmla="*/ 2305953 w 2315251"/>
+              <a:gd name="connsiteY7" fmla="*/ 257336 h 1550992"/>
+              <a:gd name="connsiteX8" fmla="*/ 2280549 w 2315251"/>
+              <a:gd name="connsiteY8" fmla="*/ 282740 h 1550992"/>
+              <a:gd name="connsiteX9" fmla="*/ 104026 w 2315251"/>
+              <a:gd name="connsiteY9" fmla="*/ 1541710 h 1550992"/>
+              <a:gd name="connsiteX10" fmla="*/ 69351 w 2315251"/>
+              <a:gd name="connsiteY10" fmla="*/ 1550992 h 1550992"/>
+              <a:gd name="connsiteX11" fmla="*/ 0 w 2315251"/>
+              <a:gd name="connsiteY11" fmla="*/ 1481643 h 1550992"/>
+            </a:gdLst>
+            <a:ahLst/>
+            <a:cxnLst>
+              <a:cxn ang="0">
+                <a:pos x="connsiteX0" y="connsiteY0"/>
+              </a:cxn>
+              <a:cxn ang="0">
+                <a:pos x="connsiteX1" y="connsiteY1"/>
+              </a:cxn>
+              <a:cxn ang="0">
+                <a:pos x="connsiteX2" y="connsiteY2"/>
+              </a:cxn>
+              <a:cxn ang="0">
+                <a:pos x="connsiteX3" y="connsiteY3"/>
+              </a:cxn>
+              <a:cxn ang="0">
+                <a:pos x="connsiteX4" y="connsiteY4"/>
+              </a:cxn>
+              <a:cxn ang="0">
+                <a:pos x="connsiteX5" y="connsiteY5"/>
+              </a:cxn>
+              <a:cxn ang="0">
+                <a:pos x="connsiteX6" y="connsiteY6"/>
+              </a:cxn>
+              <a:cxn ang="0">
+                <a:pos x="connsiteX7" y="connsiteY7"/>
+              </a:cxn>
+              <a:cxn ang="0">
+                <a:pos x="connsiteX8" y="connsiteY8"/>
+              </a:cxn>
+              <a:cxn ang="0">
+                <a:pos x="connsiteX9" y="connsiteY9"/>
+              </a:cxn>
+              <a:cxn ang="0">
+                <a:pos x="connsiteX10" y="connsiteY10"/>
+              </a:cxn>
+              <a:cxn ang="0">
+                <a:pos x="connsiteX11" y="connsiteY11"/>
+              </a:cxn>
+            </a:cxnLst>
+            <a:rect l="l" t="t" r="r" b="b"/>
+            <a:pathLst>
+              <a:path w="2315251" h="1550992">
+                <a:moveTo>
+                  <a:pt x="0" y="0"/>
+                </a:moveTo>
+                <a:lnTo>
+                  <a:pt x="138700" y="0"/>
+                </a:lnTo>
+                <a:lnTo>
+                  <a:pt x="138700" y="1361400"/>
+                </a:lnTo>
+                <a:lnTo>
+                  <a:pt x="2107387" y="222673"/>
+                </a:lnTo>
+                <a:lnTo>
+                  <a:pt x="1722420" y="0"/>
+                </a:lnTo>
+                <a:lnTo>
+                  <a:pt x="1999436" y="0"/>
+                </a:lnTo>
+                <a:lnTo>
+                  <a:pt x="2280549" y="162605"/>
+                </a:lnTo>
+                <a:cubicBezTo>
+                  <a:pt x="2313720" y="181745"/>
+                  <a:pt x="2325104" y="224155"/>
+                  <a:pt x="2305953" y="257336"/>
+                </a:cubicBezTo>
+                <a:cubicBezTo>
+                  <a:pt x="2299872" y="267889"/>
+                  <a:pt x="2291101" y="276648"/>
+                  <a:pt x="2280549" y="282740"/>
+                </a:cubicBezTo>
+                <a:lnTo>
+                  <a:pt x="104026" y="1541710"/>
+                </a:lnTo>
+                <a:cubicBezTo>
+                  <a:pt x="93484" y="1547802"/>
+                  <a:pt x="81523" y="1551003"/>
+                  <a:pt x="69351" y="1550992"/>
+                </a:cubicBezTo>
+                <a:cubicBezTo>
+                  <a:pt x="31049" y="1550992"/>
+                  <a:pt x="0" y="1519944"/>
+                  <a:pt x="0" y="1481643"/>
+                </a:cubicBezTo>
+                <a:close/>
+              </a:path>
+            </a:pathLst>
+          </a:custGeom>
+          <a:solidFill>
+            <a:schemeClr val="accent6"/>
+          </a:solidFill>
+          <a:ln w="9525" cap="flat">
+            <a:noFill/>
+            <a:prstDash val="solid"/>
+            <a:miter/>
+          </a:ln>
+        </p:spPr>
+        <p:txBody>
+          <a:bodyPr rtlCol="0" anchor="ctr"/>
+          <a:lstStyle/>
+          <a:p>
+            <a:endParaRPr lang="en-US" dirty="0"/>
+          </a:p>
+        </p:txBody>
+      </p:sp>
+      <p:cxnSp>
+        <p:nvCxnSpPr>
+          <p:cNvPr id="19" name="Straight Connector 18">
+            <a:extLst>
+              <a:ext uri="{FF2B5EF4-FFF2-40B4-BE49-F238E27FC236}">
+                <a16:creationId xmlns:a16="http://schemas.microsoft.com/office/drawing/2014/main" id="{7B2D303B-3DD0-4319-9EAD-361847FEC71D}"/>
+              </a:ext>
+              <a:ext uri="{C183D7F6-B498-43B3-948B-1728B52AA6E4}">
+                <adec:decorative xmlns:adec="http://schemas.microsoft.com/office/drawing/2017/decorative" val="1"/>
+              </a:ext>
+            </a:extLst>
+          </p:cNvPr>
+          <p:cNvCxnSpPr>
+            <a:cxnSpLocks noGrp="1" noRot="1" noChangeAspect="1" noMove="1" noResize="1" noEditPoints="1" noAdjustHandles="1" noChangeArrowheads="1" noChangeShapeType="1"/>
+          </p:cNvCxnSpPr>
+          <p:nvPr>
+            <p:extLst>
+              <p:ext uri="{386F3935-93C4-4BCD-93E2-E3B085C9AB24}">
+                <p16:designElem xmlns:p16="http://schemas.microsoft.com/office/powerpoint/2015/main" val="1"/>
+              </p:ext>
+            </p:extLst>
+          </p:nvPr>
+        </p:nvCxnSpPr>
+        <p:spPr>
+          <a:xfrm>
+            <a:off x="11724638" y="1331572"/>
+            <a:ext cx="0" cy="1597708"/>
+          </a:xfrm>
+          <a:prstGeom prst="line">
+            <a:avLst/>
+          </a:prstGeom>
+          <a:ln w="127000" cap="rnd">
+            <a:solidFill>
+              <a:schemeClr val="accent4"/>
+            </a:solidFill>
+            <a:prstDash val="dash"/>
+          </a:ln>
+        </p:spPr>
+        <p:style>
+          <a:lnRef idx="1">
+            <a:schemeClr val="accent1"/>
+          </a:lnRef>
+          <a:fillRef idx="0">
+            <a:schemeClr val="accent1"/>
+          </a:fillRef>
+          <a:effectRef idx="0">
+            <a:schemeClr val="accent1"/>
+          </a:effectRef>
+          <a:fontRef idx="minor">
+            <a:schemeClr val="tx1"/>
+          </a:fontRef>
+        </p:style>
+      </p:cxnSp>
+      <p:sp>
+        <p:nvSpPr>
+          <p:cNvPr id="21" name="Freeform: Shape 20">
+            <a:extLst>
+              <a:ext uri="{FF2B5EF4-FFF2-40B4-BE49-F238E27FC236}">
+                <a16:creationId xmlns:a16="http://schemas.microsoft.com/office/drawing/2014/main" id="{46A89C79-8EF3-4AF9-B3D9-59A883F41C83}"/>
+              </a:ext>
+              <a:ext uri="{C183D7F6-B498-43B3-948B-1728B52AA6E4}">
+                <adec:decorative xmlns:adec="http://schemas.microsoft.com/office/drawing/2017/decorative" val="1"/>
+              </a:ext>
+            </a:extLst>
+          </p:cNvPr>
+          <p:cNvSpPr>
+            <a:spLocks noGrp="1" noRot="1" noChangeAspect="1" noMove="1" noResize="1" noEditPoints="1" noAdjustHandles="1" noChangeArrowheads="1" noChangeShapeType="1" noTextEdit="1"/>
+          </p:cNvSpPr>
+          <p:nvPr>
+            <p:extLst>
+              <p:ext uri="{386F3935-93C4-4BCD-93E2-E3B085C9AB24}">
+                <p16:designElem xmlns:p16="http://schemas.microsoft.com/office/powerpoint/2015/main" val="1"/>
+              </p:ext>
+            </p:extLst>
+          </p:nvPr>
+        </p:nvSpPr>
+        <p:spPr>
+          <a:xfrm>
+            <a:off x="11005550" y="4112081"/>
+            <a:ext cx="1186451" cy="1771650"/>
+          </a:xfrm>
+          <a:custGeom>
+            <a:avLst/>
+            <a:gdLst>
+              <a:gd name="connsiteX0" fmla="*/ 61913 w 1186451"/>
+              <a:gd name="connsiteY0" fmla="*/ 0 h 1771650"/>
+              <a:gd name="connsiteX1" fmla="*/ 1186451 w 1186451"/>
+              <a:gd name="connsiteY1" fmla="*/ 0 h 1771650"/>
+              <a:gd name="connsiteX2" fmla="*/ 1186451 w 1186451"/>
+              <a:gd name="connsiteY2" fmla="*/ 123825 h 1771650"/>
+              <a:gd name="connsiteX3" fmla="*/ 123825 w 1186451"/>
+              <a:gd name="connsiteY3" fmla="*/ 123825 h 1771650"/>
+              <a:gd name="connsiteX4" fmla="*/ 123825 w 1186451"/>
+              <a:gd name="connsiteY4" fmla="*/ 1647825 h 1771650"/>
+              <a:gd name="connsiteX5" fmla="*/ 1186451 w 1186451"/>
+              <a:gd name="connsiteY5" fmla="*/ 1647825 h 1771650"/>
+              <a:gd name="connsiteX6" fmla="*/ 1186451 w 1186451"/>
+              <a:gd name="connsiteY6" fmla="*/ 1771650 h 1771650"/>
+              <a:gd name="connsiteX7" fmla="*/ 61913 w 1186451"/>
+              <a:gd name="connsiteY7" fmla="*/ 1771650 h 1771650"/>
+              <a:gd name="connsiteX8" fmla="*/ 0 w 1186451"/>
+              <a:gd name="connsiteY8" fmla="*/ 1709738 h 1771650"/>
+              <a:gd name="connsiteX9" fmla="*/ 0 w 1186451"/>
+              <a:gd name="connsiteY9" fmla="*/ 61913 h 1771650"/>
+              <a:gd name="connsiteX10" fmla="*/ 61913 w 1186451"/>
+              <a:gd name="connsiteY10" fmla="*/ 0 h 1771650"/>
+            </a:gdLst>
+            <a:ahLst/>
+            <a:cxnLst>
+              <a:cxn ang="0">
+                <a:pos x="connsiteX0" y="connsiteY0"/>
+              </a:cxn>
+              <a:cxn ang="0">
+                <a:pos x="connsiteX1" y="connsiteY1"/>
+              </a:cxn>
+              <a:cxn ang="0">
+                <a:pos x="connsiteX2" y="connsiteY2"/>
+              </a:cxn>
+              <a:cxn ang="0">
+                <a:pos x="connsiteX3" y="connsiteY3"/>
+              </a:cxn>
+              <a:cxn ang="0">
+                <a:pos x="connsiteX4" y="connsiteY4"/>
+              </a:cxn>
+              <a:cxn ang="0">
+                <a:pos x="connsiteX5" y="connsiteY5"/>
+              </a:cxn>
+              <a:cxn ang="0">
+                <a:pos x="connsiteX6" y="connsiteY6"/>
+              </a:cxn>
+              <a:cxn ang="0">
+                <a:pos x="connsiteX7" y="connsiteY7"/>
+              </a:cxn>
+              <a:cxn ang="0">
+                <a:pos x="connsiteX8" y="connsiteY8"/>
+              </a:cxn>
+              <a:cxn ang="0">
+                <a:pos x="connsiteX9" y="connsiteY9"/>
+              </a:cxn>
+              <a:cxn ang="0">
+                <a:pos x="connsiteX10" y="connsiteY10"/>
+              </a:cxn>
+            </a:cxnLst>
+            <a:rect l="l" t="t" r="r" b="b"/>
+            <a:pathLst>
+              <a:path w="1186451" h="1771650">
+                <a:moveTo>
+                  <a:pt x="61913" y="0"/>
+                </a:moveTo>
+                <a:lnTo>
+                  <a:pt x="1186451" y="0"/>
+                </a:lnTo>
+                <a:lnTo>
+                  <a:pt x="1186451" y="123825"/>
+                </a:lnTo>
+                <a:lnTo>
+                  <a:pt x="123825" y="123825"/>
+                </a:lnTo>
+                <a:lnTo>
+                  <a:pt x="123825" y="1647825"/>
+                </a:lnTo>
+                <a:lnTo>
+                  <a:pt x="1186451" y="1647825"/>
+                </a:lnTo>
+                <a:lnTo>
+                  <a:pt x="1186451" y="1771650"/>
+                </a:lnTo>
+                <a:lnTo>
+                  <a:pt x="61913" y="1771650"/>
+                </a:lnTo>
+                <a:cubicBezTo>
+                  <a:pt x="27719" y="1771650"/>
+                  <a:pt x="0" y="1743932"/>
+                  <a:pt x="0" y="1709738"/>
+                </a:cubicBezTo>
+                <a:lnTo>
+                  <a:pt x="0" y="61913"/>
+                </a:lnTo>
+                <a:cubicBezTo>
+                  <a:pt x="0" y="27719"/>
+                  <a:pt x="27719" y="0"/>
+                  <a:pt x="61913" y="0"/>
+                </a:cubicBezTo>
+                <a:close/>
+              </a:path>
+            </a:pathLst>
+          </a:custGeom>
+          <a:solidFill>
+            <a:schemeClr val="accent6"/>
+          </a:solidFill>
+          <a:ln w="9525" cap="flat">
+            <a:noFill/>
+            <a:prstDash val="solid"/>
+            <a:miter/>
+          </a:ln>
+        </p:spPr>
+        <p:txBody>
+          <a:bodyPr rtlCol="0" anchor="ctr"/>
+          <a:lstStyle/>
+          <a:p>
+            <a:endParaRPr lang="en-US"/>
+          </a:p>
+        </p:txBody>
+      </p:sp>
+      <p:sp>
+        <p:nvSpPr>
+          <p:cNvPr id="23" name="Arc 22">
+            <a:extLst>
+              <a:ext uri="{FF2B5EF4-FFF2-40B4-BE49-F238E27FC236}">
+                <a16:creationId xmlns:a16="http://schemas.microsoft.com/office/drawing/2014/main" id="{EFE5CE34-4543-42E5-B82C-1F3D12422CDD}"/>
+              </a:ext>
+              <a:ext uri="{C183D7F6-B498-43B3-948B-1728B52AA6E4}">
+                <adec:decorative xmlns:adec="http://schemas.microsoft.com/office/drawing/2017/decorative" val="1"/>
+              </a:ext>
+            </a:extLst>
+          </p:cNvPr>
+          <p:cNvSpPr>
+            <a:spLocks noGrp="1" noRot="1" noChangeAspect="1" noMove="1" noResize="1" noEditPoints="1" noAdjustHandles="1" noChangeArrowheads="1" noChangeShapeType="1" noTextEdit="1"/>
+          </p:cNvSpPr>
+          <p:nvPr>
+            <p:extLst>
+              <p:ext uri="{386F3935-93C4-4BCD-93E2-E3B085C9AB24}">
+                <p16:designElem xmlns:p16="http://schemas.microsoft.com/office/powerpoint/2015/main" val="1"/>
+              </p:ext>
+            </p:extLst>
+          </p:nvPr>
+        </p:nvSpPr>
+        <p:spPr>
+          <a:xfrm rot="20992895">
+            <a:off x="6086940" y="4145122"/>
+            <a:ext cx="4083433" cy="4083433"/>
+          </a:xfrm>
+          <a:prstGeom prst="arc">
+            <a:avLst/>
+          </a:prstGeom>
+          <a:ln w="127000" cap="rnd">
+            <a:solidFill>
+              <a:schemeClr val="accent4"/>
+            </a:solidFill>
+            <a:prstDash val="dash"/>
+          </a:ln>
+        </p:spPr>
+        <p:style>
+          <a:lnRef idx="1">
+            <a:schemeClr val="accent1"/>
+          </a:lnRef>
+          <a:fillRef idx="0">
+            <a:schemeClr val="accent1"/>
+          </a:fillRef>
+          <a:effectRef idx="0">
+            <a:schemeClr val="accent1"/>
+          </a:effectRef>
+          <a:fontRef idx="minor">
+            <a:schemeClr val="tx1"/>
+          </a:fontRef>
+        </p:style>
+        <p:txBody>
+          <a:bodyPr rtlCol="0" anchor="ctr"/>
+          <a:lstStyle/>
+          <a:p>
+            <a:pPr algn="ctr"/>
+            <a:endParaRPr lang="en-US" dirty="0"/>
+          </a:p>
+        </p:txBody>
+      </p:sp>
+      <p:sp>
+        <p:nvSpPr>
+          <p:cNvPr id="25" name="Freeform: Shape 24">
+            <a:extLst>
+              <a:ext uri="{FF2B5EF4-FFF2-40B4-BE49-F238E27FC236}">
+                <a16:creationId xmlns:a16="http://schemas.microsoft.com/office/drawing/2014/main" id="{72AF41FE-63D7-4695-81D2-66D2510E4486}"/>
+              </a:ext>
+              <a:ext uri="{C183D7F6-B498-43B3-948B-1728B52AA6E4}">
+                <adec:decorative xmlns:adec="http://schemas.microsoft.com/office/drawing/2017/decorative" val="1"/>
+              </a:ext>
+            </a:extLst>
+          </p:cNvPr>
+          <p:cNvSpPr>
+            <a:spLocks noGrp="1" noRot="1" noChangeAspect="1" noMove="1" noResize="1" noEditPoints="1" noAdjustHandles="1" noChangeArrowheads="1" noChangeShapeType="1" noTextEdit="1"/>
+          </p:cNvSpPr>
+          <p:nvPr>
+            <p:extLst>
+              <p:ext uri="{386F3935-93C4-4BCD-93E2-E3B085C9AB24}">
+                <p16:designElem xmlns:p16="http://schemas.microsoft.com/office/powerpoint/2015/main" val="1"/>
+              </p:ext>
+            </p:extLst>
+          </p:nvPr>
+        </p:nvSpPr>
+        <p:spPr>
+          <a:xfrm>
+            <a:off x="6821310" y="4962670"/>
+            <a:ext cx="2643352" cy="1895331"/>
+          </a:xfrm>
+          <a:custGeom>
+            <a:avLst/>
+            <a:gdLst>
+              <a:gd name="connsiteX0" fmla="*/ 1321676 w 2643352"/>
+              <a:gd name="connsiteY0" fmla="*/ 0 h 1895331"/>
+              <a:gd name="connsiteX1" fmla="*/ 2643352 w 2643352"/>
+              <a:gd name="connsiteY1" fmla="*/ 1321676 h 1895331"/>
+              <a:gd name="connsiteX2" fmla="*/ 2539488 w 2643352"/>
+              <a:gd name="connsiteY2" fmla="*/ 1836132 h 1895331"/>
+              <a:gd name="connsiteX3" fmla="*/ 2510970 w 2643352"/>
+              <a:gd name="connsiteY3" fmla="*/ 1895331 h 1895331"/>
+              <a:gd name="connsiteX4" fmla="*/ 132382 w 2643352"/>
+              <a:gd name="connsiteY4" fmla="*/ 1895331 h 1895331"/>
+              <a:gd name="connsiteX5" fmla="*/ 103864 w 2643352"/>
+              <a:gd name="connsiteY5" fmla="*/ 1836132 h 1895331"/>
+              <a:gd name="connsiteX6" fmla="*/ 0 w 2643352"/>
+              <a:gd name="connsiteY6" fmla="*/ 1321676 h 1895331"/>
+              <a:gd name="connsiteX7" fmla="*/ 1321676 w 2643352"/>
+              <a:gd name="connsiteY7" fmla="*/ 0 h 1895331"/>
+            </a:gdLst>
+            <a:ahLst/>
+            <a:cxnLst>
+              <a:cxn ang="0">
+                <a:pos x="connsiteX0" y="connsiteY0"/>
+              </a:cxn>
+              <a:cxn ang="0">
+                <a:pos x="connsiteX1" y="connsiteY1"/>
+              </a:cxn>
+              <a:cxn ang="0">
+                <a:pos x="connsiteX2" y="connsiteY2"/>
+              </a:cxn>
+              <a:cxn ang="0">
+                <a:pos x="connsiteX3" y="connsiteY3"/>
+              </a:cxn>
+              <a:cxn ang="0">
+                <a:pos x="connsiteX4" y="connsiteY4"/>
+              </a:cxn>
+              <a:cxn ang="0">
+                <a:pos x="connsiteX5" y="connsiteY5"/>
+              </a:cxn>
+              <a:cxn ang="0">
+                <a:pos x="connsiteX6" y="connsiteY6"/>
+              </a:cxn>
+              <a:cxn ang="0">
+                <a:pos x="connsiteX7" y="connsiteY7"/>
+              </a:cxn>
+            </a:cxnLst>
+            <a:rect l="l" t="t" r="r" b="b"/>
+            <a:pathLst>
+              <a:path w="2643352" h="1895331">
+                <a:moveTo>
+                  <a:pt x="1321676" y="0"/>
+                </a:moveTo>
+                <a:cubicBezTo>
+                  <a:pt x="2051617" y="0"/>
+                  <a:pt x="2643352" y="591735"/>
+                  <a:pt x="2643352" y="1321676"/>
+                </a:cubicBezTo>
+                <a:cubicBezTo>
+                  <a:pt x="2643352" y="1504161"/>
+                  <a:pt x="2606369" y="1678009"/>
+                  <a:pt x="2539488" y="1836132"/>
+                </a:cubicBezTo>
+                <a:lnTo>
+                  <a:pt x="2510970" y="1895331"/>
+                </a:lnTo>
+                <a:lnTo>
+                  <a:pt x="132382" y="1895331"/>
+                </a:lnTo>
+                <a:lnTo>
+                  <a:pt x="103864" y="1836132"/>
+                </a:lnTo>
+                <a:cubicBezTo>
+                  <a:pt x="36984" y="1678009"/>
+                  <a:pt x="0" y="1504161"/>
+                  <a:pt x="0" y="1321676"/>
+                </a:cubicBezTo>
+                <a:cubicBezTo>
+                  <a:pt x="0" y="591735"/>
+                  <a:pt x="591735" y="0"/>
+                  <a:pt x="1321676" y="0"/>
+                </a:cubicBezTo>
+                <a:close/>
+              </a:path>
+            </a:pathLst>
+          </a:custGeom>
+          <a:solidFill>
+            <a:schemeClr val="accent2"/>
+          </a:solidFill>
+          <a:ln>
+            <a:noFill/>
+          </a:ln>
+        </p:spPr>
+        <p:style>
+          <a:lnRef idx="2">
+            <a:schemeClr val="accent1">
+              <a:shade val="50000"/>
+            </a:schemeClr>
+          </a:lnRef>
+          <a:fillRef idx="1">
+            <a:schemeClr val="accent1"/>
+          </a:fillRef>
+          <a:effectRef idx="0">
+            <a:schemeClr val="accent1"/>
+          </a:effectRef>
+          <a:fontRef idx="minor">
+            <a:schemeClr val="lt1"/>
+          </a:fontRef>
+        </p:style>
+        <p:txBody>
+          <a:bodyPr rtlCol="0" anchor="ctr"/>
+          <a:lstStyle/>
+          <a:p>
+            <a:pPr algn="ctr"/>
+            <a:endParaRPr lang="en-US"/>
+          </a:p>
+        </p:txBody>
+      </p:sp>
+    </p:spTree>
+    <p:extLst>
+      <p:ext uri="{BB962C8B-B14F-4D97-AF65-F5344CB8AC3E}">
+        <p14:creationId xmlns:p14="http://schemas.microsoft.com/office/powerpoint/2010/main" val="3098704964"/>
+      </p:ext>
+    </p:extLst>
+  </p:cSld>
+  <p:clrMapOvr>
+    <a:masterClrMapping/>
+  </p:clrMapOvr>
+</p:sld>
+</file>
+
+<file path=ppt/slides/slide27.xml><?xml version="1.0" encoding="utf-8"?>
 <p:sld xmlns:a="http://schemas.openxmlformats.org/drawingml/2006/main" xmlns:r="http://schemas.openxmlformats.org/officeDocument/2006/relationships" xmlns:p="http://schemas.openxmlformats.org/presentationml/2006/main">
   <p:cSld>
     <p:bg>

--- a/Introduction to Machine Learning.pptx
+++ b/Introduction to Machine Learning.pptx
@@ -223,7 +223,7 @@
           <a:p>
             <a:fld id="{CB5F933A-5590-4DA8-96B9-0A49C6754116}" type="datetimeFigureOut">
               <a:rPr lang="en-MY" smtClean="0"/>
-              <a:t>13/6/2020</a:t>
+              <a:t>17/6/2020</a:t>
             </a:fld>
             <a:endParaRPr lang="en-MY"/>
           </a:p>
@@ -1297,7 +1297,7 @@
           <a:p>
             <a:fld id="{D57336B1-66B2-409B-8415-663FE0FBAF46}" type="datetimeFigureOut">
               <a:rPr lang="en-MY" smtClean="0"/>
-              <a:t>13/6/2020</a:t>
+              <a:t>17/6/2020</a:t>
             </a:fld>
             <a:endParaRPr lang="en-MY"/>
           </a:p>
@@ -1497,7 +1497,7 @@
           <a:p>
             <a:fld id="{D57336B1-66B2-409B-8415-663FE0FBAF46}" type="datetimeFigureOut">
               <a:rPr lang="en-MY" smtClean="0"/>
-              <a:t>13/6/2020</a:t>
+              <a:t>17/6/2020</a:t>
             </a:fld>
             <a:endParaRPr lang="en-MY"/>
           </a:p>
@@ -1707,7 +1707,7 @@
           <a:p>
             <a:fld id="{D57336B1-66B2-409B-8415-663FE0FBAF46}" type="datetimeFigureOut">
               <a:rPr lang="en-MY" smtClean="0"/>
-              <a:t>13/6/2020</a:t>
+              <a:t>17/6/2020</a:t>
             </a:fld>
             <a:endParaRPr lang="en-MY"/>
           </a:p>
@@ -1907,7 +1907,7 @@
           <a:p>
             <a:fld id="{D57336B1-66B2-409B-8415-663FE0FBAF46}" type="datetimeFigureOut">
               <a:rPr lang="en-MY" smtClean="0"/>
-              <a:t>13/6/2020</a:t>
+              <a:t>17/6/2020</a:t>
             </a:fld>
             <a:endParaRPr lang="en-MY"/>
           </a:p>
@@ -2183,7 +2183,7 @@
           <a:p>
             <a:fld id="{D57336B1-66B2-409B-8415-663FE0FBAF46}" type="datetimeFigureOut">
               <a:rPr lang="en-MY" smtClean="0"/>
-              <a:t>13/6/2020</a:t>
+              <a:t>17/6/2020</a:t>
             </a:fld>
             <a:endParaRPr lang="en-MY"/>
           </a:p>
@@ -2451,7 +2451,7 @@
           <a:p>
             <a:fld id="{D57336B1-66B2-409B-8415-663FE0FBAF46}" type="datetimeFigureOut">
               <a:rPr lang="en-MY" smtClean="0"/>
-              <a:t>13/6/2020</a:t>
+              <a:t>17/6/2020</a:t>
             </a:fld>
             <a:endParaRPr lang="en-MY"/>
           </a:p>
@@ -2866,7 +2866,7 @@
           <a:p>
             <a:fld id="{D57336B1-66B2-409B-8415-663FE0FBAF46}" type="datetimeFigureOut">
               <a:rPr lang="en-MY" smtClean="0"/>
-              <a:t>13/6/2020</a:t>
+              <a:t>17/6/2020</a:t>
             </a:fld>
             <a:endParaRPr lang="en-MY"/>
           </a:p>
@@ -3008,7 +3008,7 @@
           <a:p>
             <a:fld id="{D57336B1-66B2-409B-8415-663FE0FBAF46}" type="datetimeFigureOut">
               <a:rPr lang="en-MY" smtClean="0"/>
-              <a:t>13/6/2020</a:t>
+              <a:t>17/6/2020</a:t>
             </a:fld>
             <a:endParaRPr lang="en-MY"/>
           </a:p>
@@ -3121,7 +3121,7 @@
           <a:p>
             <a:fld id="{D57336B1-66B2-409B-8415-663FE0FBAF46}" type="datetimeFigureOut">
               <a:rPr lang="en-MY" smtClean="0"/>
-              <a:t>13/6/2020</a:t>
+              <a:t>17/6/2020</a:t>
             </a:fld>
             <a:endParaRPr lang="en-MY"/>
           </a:p>
@@ -3434,7 +3434,7 @@
           <a:p>
             <a:fld id="{D57336B1-66B2-409B-8415-663FE0FBAF46}" type="datetimeFigureOut">
               <a:rPr lang="en-MY" smtClean="0"/>
-              <a:t>13/6/2020</a:t>
+              <a:t>17/6/2020</a:t>
             </a:fld>
             <a:endParaRPr lang="en-MY"/>
           </a:p>
@@ -3723,7 +3723,7 @@
           <a:p>
             <a:fld id="{D57336B1-66B2-409B-8415-663FE0FBAF46}" type="datetimeFigureOut">
               <a:rPr lang="en-MY" smtClean="0"/>
-              <a:t>13/6/2020</a:t>
+              <a:t>17/6/2020</a:t>
             </a:fld>
             <a:endParaRPr lang="en-MY"/>
           </a:p>
@@ -3966,7 +3966,7 @@
           <a:p>
             <a:fld id="{D57336B1-66B2-409B-8415-663FE0FBAF46}" type="datetimeFigureOut">
               <a:rPr lang="en-MY" smtClean="0"/>
-              <a:t>13/6/2020</a:t>
+              <a:t>17/6/2020</a:t>
             </a:fld>
             <a:endParaRPr lang="en-MY"/>
           </a:p>
@@ -10718,6 +10718,82 @@
           </a:prstGeom>
         </p:spPr>
       </p:pic>
+      <p:sp>
+        <p:nvSpPr>
+          <p:cNvPr id="2" name="TextBox 1">
+            <a:extLst>
+              <a:ext uri="{FF2B5EF4-FFF2-40B4-BE49-F238E27FC236}">
+                <a16:creationId xmlns:a16="http://schemas.microsoft.com/office/drawing/2014/main" id="{54F00D6F-94F3-4173-9C31-CA53176B81CF}"/>
+              </a:ext>
+            </a:extLst>
+          </p:cNvPr>
+          <p:cNvSpPr txBox="1"/>
+          <p:nvPr/>
+        </p:nvSpPr>
+        <p:spPr>
+          <a:xfrm>
+            <a:off x="4661482" y="2188482"/>
+            <a:ext cx="1216404" cy="461665"/>
+          </a:xfrm>
+          <a:prstGeom prst="rect">
+            <a:avLst/>
+          </a:prstGeom>
+          <a:solidFill>
+            <a:srgbClr val="92D050"/>
+          </a:solidFill>
+        </p:spPr>
+        <p:txBody>
+          <a:bodyPr wrap="square" rtlCol="0">
+            <a:spAutoFit/>
+          </a:bodyPr>
+          <a:lstStyle/>
+          <a:p>
+            <a:pPr algn="ctr"/>
+            <a:r>
+              <a:rPr lang="en-MY" sz="2400" b="1" dirty="0"/>
+              <a:t>Test</a:t>
+            </a:r>
+          </a:p>
+        </p:txBody>
+      </p:sp>
+      <p:sp>
+        <p:nvSpPr>
+          <p:cNvPr id="5" name="TextBox 4">
+            <a:extLst>
+              <a:ext uri="{FF2B5EF4-FFF2-40B4-BE49-F238E27FC236}">
+                <a16:creationId xmlns:a16="http://schemas.microsoft.com/office/drawing/2014/main" id="{BBB155C8-F990-4617-A001-4D6A812D3716}"/>
+              </a:ext>
+            </a:extLst>
+          </p:cNvPr>
+          <p:cNvSpPr txBox="1"/>
+          <p:nvPr/>
+        </p:nvSpPr>
+        <p:spPr>
+          <a:xfrm>
+            <a:off x="4729992" y="3359129"/>
+            <a:ext cx="1008078" cy="369332"/>
+          </a:xfrm>
+          <a:prstGeom prst="rect">
+            <a:avLst/>
+          </a:prstGeom>
+          <a:solidFill>
+            <a:srgbClr val="00B0F0"/>
+          </a:solidFill>
+        </p:spPr>
+        <p:txBody>
+          <a:bodyPr wrap="square" rtlCol="0">
+            <a:spAutoFit/>
+          </a:bodyPr>
+          <a:lstStyle/>
+          <a:p>
+            <a:pPr algn="ctr"/>
+            <a:r>
+              <a:rPr lang="en-MY" b="1" dirty="0"/>
+              <a:t>Validate</a:t>
+            </a:r>
+          </a:p>
+        </p:txBody>
+      </p:sp>
     </p:spTree>
     <p:extLst>
       <p:ext uri="{BB962C8B-B14F-4D97-AF65-F5344CB8AC3E}">
